--- a/Semester1_abschluss/Microsoft Office PowerPoint-Präsentation (neu).pptx
+++ b/Semester1_abschluss/Microsoft Office PowerPoint-Präsentation (neu).pptx
@@ -13,9 +13,9 @@
     <p:sldId id="258" r:id="rId4"/>
     <p:sldId id="260" r:id="rId5"/>
     <p:sldId id="259" r:id="rId6"/>
-    <p:sldId id="261" r:id="rId7"/>
-    <p:sldId id="270" r:id="rId8"/>
-    <p:sldId id="262" r:id="rId9"/>
+    <p:sldId id="262" r:id="rId7"/>
+    <p:sldId id="261" r:id="rId8"/>
+    <p:sldId id="270" r:id="rId9"/>
     <p:sldId id="271" r:id="rId10"/>
     <p:sldId id="263" r:id="rId11"/>
     <p:sldId id="264" r:id="rId12"/>
@@ -26,7 +26,7 @@
     <p:sldId id="269" r:id="rId17"/>
   </p:sldIdLst>
   <p:sldSz cx="9144000" cy="6858000" type="screen4x3"/>
-  <p:notesSz cx="6858000" cy="9144000"/>
+  <p:notesSz cx="6884988" cy="10018713"/>
   <p:defaultTextStyle>
     <a:defPPr>
       <a:defRPr lang="de-DE"/>
@@ -160,17 +160,17 @@
         <p:spPr>
           <a:xfrm>
             <a:off x="0" y="0"/>
-            <a:ext cx="2971800" cy="457200"/>
+            <a:ext cx="2983495" cy="500936"/>
           </a:xfrm>
           <a:prstGeom prst="rect">
             <a:avLst/>
           </a:prstGeom>
         </p:spPr>
         <p:txBody>
-          <a:bodyPr vert="horz" lIns="91440" tIns="45720" rIns="91440" bIns="45720" rtlCol="0"/>
+          <a:bodyPr vert="horz" lIns="96588" tIns="48294" rIns="96588" bIns="48294" rtlCol="0"/>
           <a:lstStyle>
             <a:lvl1pPr algn="l">
-              <a:defRPr sz="1200"/>
+              <a:defRPr sz="1300"/>
             </a:lvl1pPr>
           </a:lstStyle>
           <a:p>
@@ -190,24 +190,25 @@
         </p:nvSpPr>
         <p:spPr>
           <a:xfrm>
-            <a:off x="3884613" y="0"/>
-            <a:ext cx="2971800" cy="457200"/>
+            <a:off x="3899900" y="0"/>
+            <a:ext cx="2983495" cy="500936"/>
           </a:xfrm>
           <a:prstGeom prst="rect">
             <a:avLst/>
           </a:prstGeom>
         </p:spPr>
         <p:txBody>
-          <a:bodyPr vert="horz" lIns="91440" tIns="45720" rIns="91440" bIns="45720" rtlCol="0"/>
+          <a:bodyPr vert="horz" lIns="96588" tIns="48294" rIns="96588" bIns="48294" rtlCol="0"/>
           <a:lstStyle>
             <a:lvl1pPr algn="r">
-              <a:defRPr sz="1200"/>
+              <a:defRPr sz="1300"/>
             </a:lvl1pPr>
           </a:lstStyle>
           <a:p>
             <a:fld id="{11FF48E7-A7C3-41E4-A3CF-C9AE0CF916E9}" type="datetimeFigureOut">
               <a:rPr lang="de-DE" smtClean="0"/>
-              <a:t>28.11.2013</a:t>
+              <a:pPr/>
+              <a:t>02.12.2013</a:t>
             </a:fld>
             <a:endParaRPr lang="de-DE"/>
           </a:p>
@@ -225,8 +226,8 @@
         </p:nvSpPr>
         <p:spPr>
           <a:xfrm>
-            <a:off x="1143000" y="685800"/>
-            <a:ext cx="4572000" cy="3429000"/>
+            <a:off x="938213" y="750888"/>
+            <a:ext cx="5008562" cy="3757612"/>
           </a:xfrm>
           <a:prstGeom prst="rect">
             <a:avLst/>
@@ -239,7 +240,7 @@
           </a:ln>
         </p:spPr>
         <p:txBody>
-          <a:bodyPr vert="horz" lIns="91440" tIns="45720" rIns="91440" bIns="45720" rtlCol="0" anchor="ctr"/>
+          <a:bodyPr vert="horz" lIns="96588" tIns="48294" rIns="96588" bIns="48294" rtlCol="0" anchor="ctr"/>
           <a:lstStyle/>
           <a:p>
             <a:endParaRPr lang="de-DE"/>
@@ -258,15 +259,15 @@
         </p:nvSpPr>
         <p:spPr>
           <a:xfrm>
-            <a:off x="685800" y="4343400"/>
-            <a:ext cx="5486400" cy="4114800"/>
+            <a:off x="688499" y="4758889"/>
+            <a:ext cx="5507990" cy="4508421"/>
           </a:xfrm>
           <a:prstGeom prst="rect">
             <a:avLst/>
           </a:prstGeom>
         </p:spPr>
         <p:txBody>
-          <a:bodyPr vert="horz" lIns="91440" tIns="45720" rIns="91440" bIns="45720" rtlCol="0">
+          <a:bodyPr vert="horz" lIns="96588" tIns="48294" rIns="96588" bIns="48294" rtlCol="0">
             <a:normAutofit/>
           </a:bodyPr>
           <a:lstStyle/>
@@ -320,18 +321,18 @@
         </p:nvSpPr>
         <p:spPr>
           <a:xfrm>
-            <a:off x="0" y="8685213"/>
-            <a:ext cx="2971800" cy="457200"/>
+            <a:off x="0" y="9516038"/>
+            <a:ext cx="2983495" cy="500936"/>
           </a:xfrm>
           <a:prstGeom prst="rect">
             <a:avLst/>
           </a:prstGeom>
         </p:spPr>
         <p:txBody>
-          <a:bodyPr vert="horz" lIns="91440" tIns="45720" rIns="91440" bIns="45720" rtlCol="0" anchor="b"/>
+          <a:bodyPr vert="horz" lIns="96588" tIns="48294" rIns="96588" bIns="48294" rtlCol="0" anchor="b"/>
           <a:lstStyle>
             <a:lvl1pPr algn="l">
-              <a:defRPr sz="1200"/>
+              <a:defRPr sz="1300"/>
             </a:lvl1pPr>
           </a:lstStyle>
           <a:p>
@@ -351,23 +352,24 @@
         </p:nvSpPr>
         <p:spPr>
           <a:xfrm>
-            <a:off x="3884613" y="8685213"/>
-            <a:ext cx="2971800" cy="457200"/>
+            <a:off x="3899900" y="9516038"/>
+            <a:ext cx="2983495" cy="500936"/>
           </a:xfrm>
           <a:prstGeom prst="rect">
             <a:avLst/>
           </a:prstGeom>
         </p:spPr>
         <p:txBody>
-          <a:bodyPr vert="horz" lIns="91440" tIns="45720" rIns="91440" bIns="45720" rtlCol="0" anchor="b"/>
+          <a:bodyPr vert="horz" lIns="96588" tIns="48294" rIns="96588" bIns="48294" rtlCol="0" anchor="b"/>
           <a:lstStyle>
             <a:lvl1pPr algn="r">
-              <a:defRPr sz="1200"/>
+              <a:defRPr sz="1300"/>
             </a:lvl1pPr>
           </a:lstStyle>
           <a:p>
             <a:fld id="{32C31F88-554B-4149-96BD-47A2761C631C}" type="slidenum">
               <a:rPr lang="de-DE" smtClean="0"/>
+              <a:pPr/>
               <a:t>‹Nr.›</a:t>
             </a:fld>
             <a:endParaRPr lang="de-DE"/>
@@ -529,978 +531,347 @@
               <a:t> - </a:t>
             </a:r>
             <a:r>
-              <a:rPr lang="en-US" sz="1200" kern="1200" dirty="0" smtClean="0">
-                <a:solidFill>
-                  <a:schemeClr val="tx1"/>
-                </a:solidFill>
-                <a:latin typeface="+mn-lt"/>
-                <a:ea typeface="+mn-ea"/>
-                <a:cs typeface="+mn-cs"/>
-              </a:rPr>
+              <a:rPr lang="en-US" sz="1300" dirty="0" smtClean="0"/>
               <a:t>Die </a:t>
             </a:r>
             <a:r>
-              <a:rPr lang="en-US" sz="1200" kern="1200" dirty="0" err="1" smtClean="0">
-                <a:solidFill>
-                  <a:schemeClr val="tx1"/>
-                </a:solidFill>
-                <a:latin typeface="+mn-lt"/>
-                <a:ea typeface="+mn-ea"/>
-                <a:cs typeface="+mn-cs"/>
-              </a:rPr>
+              <a:rPr lang="en-US" sz="1300" dirty="0" err="1" smtClean="0"/>
               <a:t>Applikation</a:t>
             </a:r>
             <a:r>
-              <a:rPr lang="en-US" sz="1200" kern="1200" dirty="0" smtClean="0">
-                <a:solidFill>
-                  <a:schemeClr val="tx1"/>
-                </a:solidFill>
-                <a:latin typeface="+mn-lt"/>
-                <a:ea typeface="+mn-ea"/>
-                <a:cs typeface="+mn-cs"/>
-              </a:rPr>
+              <a:rPr lang="en-US" sz="1300" dirty="0" smtClean="0"/>
               <a:t> </a:t>
             </a:r>
             <a:r>
-              <a:rPr lang="en-US" sz="1200" kern="1200" dirty="0" err="1" smtClean="0">
-                <a:solidFill>
-                  <a:schemeClr val="tx1"/>
-                </a:solidFill>
-                <a:latin typeface="+mn-lt"/>
-                <a:ea typeface="+mn-ea"/>
-                <a:cs typeface="+mn-cs"/>
-              </a:rPr>
+              <a:rPr lang="en-US" sz="1300" dirty="0" err="1" smtClean="0"/>
               <a:t>ist</a:t>
             </a:r>
             <a:r>
-              <a:rPr lang="en-US" sz="1200" kern="1200" dirty="0" smtClean="0">
-                <a:solidFill>
-                  <a:schemeClr val="tx1"/>
-                </a:solidFill>
-                <a:latin typeface="+mn-lt"/>
-                <a:ea typeface="+mn-ea"/>
-                <a:cs typeface="+mn-cs"/>
-              </a:rPr>
+              <a:rPr lang="en-US" sz="1300" dirty="0" smtClean="0"/>
               <a:t> </a:t>
             </a:r>
             <a:r>
-              <a:rPr lang="en-US" sz="1200" kern="1200" dirty="0" err="1" smtClean="0">
-                <a:solidFill>
-                  <a:schemeClr val="tx1"/>
-                </a:solidFill>
-                <a:latin typeface="+mn-lt"/>
-                <a:ea typeface="+mn-ea"/>
-                <a:cs typeface="+mn-cs"/>
-              </a:rPr>
+              <a:rPr lang="en-US" sz="1300" dirty="0" err="1" smtClean="0"/>
               <a:t>für</a:t>
             </a:r>
             <a:r>
-              <a:rPr lang="en-US" sz="1200" kern="1200" dirty="0" smtClean="0">
-                <a:solidFill>
-                  <a:schemeClr val="tx1"/>
-                </a:solidFill>
-                <a:latin typeface="+mn-lt"/>
-                <a:ea typeface="+mn-ea"/>
-                <a:cs typeface="+mn-cs"/>
-              </a:rPr>
+              <a:rPr lang="en-US" sz="1300" dirty="0" smtClean="0"/>
               <a:t> den </a:t>
             </a:r>
             <a:r>
-              <a:rPr lang="en-US" sz="1200" kern="1200" dirty="0" err="1" smtClean="0">
-                <a:solidFill>
-                  <a:schemeClr val="tx1"/>
-                </a:solidFill>
-                <a:latin typeface="+mn-lt"/>
-                <a:ea typeface="+mn-ea"/>
-                <a:cs typeface="+mn-cs"/>
-              </a:rPr>
+              <a:rPr lang="en-US" sz="1300" dirty="0" err="1" smtClean="0"/>
               <a:t>Einsatz</a:t>
             </a:r>
             <a:r>
-              <a:rPr lang="en-US" sz="1200" kern="1200" dirty="0" smtClean="0">
-                <a:solidFill>
-                  <a:schemeClr val="tx1"/>
-                </a:solidFill>
-                <a:latin typeface="+mn-lt"/>
-                <a:ea typeface="+mn-ea"/>
-                <a:cs typeface="+mn-cs"/>
-              </a:rPr>
+              <a:rPr lang="en-US" sz="1300" dirty="0" smtClean="0"/>
               <a:t> auf </a:t>
             </a:r>
             <a:r>
-              <a:rPr lang="en-US" sz="1200" kern="1200" dirty="0" err="1" smtClean="0">
-                <a:solidFill>
-                  <a:schemeClr val="tx1"/>
-                </a:solidFill>
-                <a:latin typeface="+mn-lt"/>
-                <a:ea typeface="+mn-ea"/>
-                <a:cs typeface="+mn-cs"/>
-              </a:rPr>
+              <a:rPr lang="en-US" sz="1300" dirty="0" err="1" smtClean="0"/>
               <a:t>Mobilgeräten</a:t>
             </a:r>
             <a:r>
-              <a:rPr lang="en-US" sz="1200" kern="1200" dirty="0" smtClean="0">
-                <a:solidFill>
-                  <a:schemeClr val="tx1"/>
-                </a:solidFill>
-                <a:latin typeface="+mn-lt"/>
-                <a:ea typeface="+mn-ea"/>
-                <a:cs typeface="+mn-cs"/>
-              </a:rPr>
+              <a:rPr lang="en-US" sz="1300" dirty="0" smtClean="0"/>
               <a:t> </a:t>
             </a:r>
             <a:r>
-              <a:rPr lang="en-US" sz="1200" kern="1200" dirty="0" err="1" smtClean="0">
-                <a:solidFill>
-                  <a:schemeClr val="tx1"/>
-                </a:solidFill>
-                <a:latin typeface="+mn-lt"/>
-                <a:ea typeface="+mn-ea"/>
-                <a:cs typeface="+mn-cs"/>
-              </a:rPr>
+              <a:rPr lang="en-US" sz="1300" dirty="0" err="1" smtClean="0"/>
               <a:t>vorgesehen</a:t>
             </a:r>
             <a:r>
-              <a:rPr lang="en-US" sz="1200" kern="1200" dirty="0" smtClean="0">
-                <a:solidFill>
-                  <a:schemeClr val="tx1"/>
-                </a:solidFill>
-                <a:latin typeface="+mn-lt"/>
-                <a:ea typeface="+mn-ea"/>
-                <a:cs typeface="+mn-cs"/>
-              </a:rPr>
+              <a:rPr lang="en-US" sz="1300" dirty="0" smtClean="0"/>
               <a:t>, </a:t>
             </a:r>
             <a:r>
-              <a:rPr lang="en-US" sz="1200" kern="1200" dirty="0" err="1" smtClean="0">
-                <a:solidFill>
-                  <a:schemeClr val="tx1"/>
-                </a:solidFill>
-                <a:latin typeface="+mn-lt"/>
-                <a:ea typeface="+mn-ea"/>
-                <a:cs typeface="+mn-cs"/>
-              </a:rPr>
+              <a:rPr lang="en-US" sz="1300" dirty="0" err="1" smtClean="0"/>
               <a:t>insbesondere</a:t>
             </a:r>
             <a:r>
-              <a:rPr lang="en-US" sz="1200" kern="1200" dirty="0" smtClean="0">
-                <a:solidFill>
-                  <a:schemeClr val="tx1"/>
-                </a:solidFill>
-                <a:latin typeface="+mn-lt"/>
-                <a:ea typeface="+mn-ea"/>
-                <a:cs typeface="+mn-cs"/>
-              </a:rPr>
+              <a:rPr lang="en-US" sz="1300" dirty="0" smtClean="0"/>
               <a:t> </a:t>
             </a:r>
             <a:r>
-              <a:rPr lang="en-US" sz="1200" kern="1200" dirty="0" err="1" smtClean="0">
-                <a:solidFill>
-                  <a:schemeClr val="tx1"/>
-                </a:solidFill>
-                <a:latin typeface="+mn-lt"/>
-                <a:ea typeface="+mn-ea"/>
-                <a:cs typeface="+mn-cs"/>
-              </a:rPr>
+              <a:rPr lang="en-US" sz="1300" dirty="0" err="1" smtClean="0"/>
               <a:t>Geäte</a:t>
             </a:r>
             <a:r>
-              <a:rPr lang="en-US" sz="1200" kern="1200" dirty="0" smtClean="0">
-                <a:solidFill>
-                  <a:schemeClr val="tx1"/>
-                </a:solidFill>
-                <a:latin typeface="+mn-lt"/>
-                <a:ea typeface="+mn-ea"/>
-                <a:cs typeface="+mn-cs"/>
-              </a:rPr>
+              <a:rPr lang="en-US" sz="1300" dirty="0" smtClean="0"/>
               <a:t> </a:t>
             </a:r>
             <a:r>
-              <a:rPr lang="en-US" sz="1200" kern="1200" dirty="0" err="1" smtClean="0">
-                <a:solidFill>
-                  <a:schemeClr val="tx1"/>
-                </a:solidFill>
-                <a:latin typeface="+mn-lt"/>
-                <a:ea typeface="+mn-ea"/>
-                <a:cs typeface="+mn-cs"/>
-              </a:rPr>
+              <a:rPr lang="en-US" sz="1300" dirty="0" err="1" smtClean="0"/>
               <a:t>mit</a:t>
             </a:r>
             <a:r>
-              <a:rPr lang="en-US" sz="1200" kern="1200" dirty="0" smtClean="0">
-                <a:solidFill>
-                  <a:schemeClr val="tx1"/>
-                </a:solidFill>
-                <a:latin typeface="+mn-lt"/>
-                <a:ea typeface="+mn-ea"/>
-                <a:cs typeface="+mn-cs"/>
-              </a:rPr>
+              <a:rPr lang="en-US" sz="1300" dirty="0" smtClean="0"/>
               <a:t> </a:t>
             </a:r>
             <a:r>
-              <a:rPr lang="en-US" sz="1200" kern="1200" dirty="0" err="1" smtClean="0">
-                <a:solidFill>
-                  <a:schemeClr val="tx1"/>
-                </a:solidFill>
-                <a:latin typeface="+mn-lt"/>
-                <a:ea typeface="+mn-ea"/>
-                <a:cs typeface="+mn-cs"/>
-              </a:rPr>
+              <a:rPr lang="en-US" sz="1300" dirty="0" err="1" smtClean="0"/>
               <a:t>dem</a:t>
             </a:r>
             <a:r>
-              <a:rPr lang="en-US" sz="1200" kern="1200" dirty="0" smtClean="0">
-                <a:solidFill>
-                  <a:schemeClr val="tx1"/>
-                </a:solidFill>
-                <a:latin typeface="+mn-lt"/>
-                <a:ea typeface="+mn-ea"/>
-                <a:cs typeface="+mn-cs"/>
-              </a:rPr>
+              <a:rPr lang="en-US" sz="1300" dirty="0" smtClean="0"/>
               <a:t> </a:t>
             </a:r>
             <a:r>
-              <a:rPr lang="en-US" sz="1200" kern="1200" dirty="0" err="1" smtClean="0">
-                <a:solidFill>
-                  <a:schemeClr val="tx1"/>
-                </a:solidFill>
-                <a:latin typeface="+mn-lt"/>
-                <a:ea typeface="+mn-ea"/>
-                <a:cs typeface="+mn-cs"/>
-              </a:rPr>
+              <a:rPr lang="en-US" sz="1300" dirty="0" err="1" smtClean="0"/>
               <a:t>Betriebssystem</a:t>
             </a:r>
             <a:r>
-              <a:rPr lang="en-US" sz="1200" kern="1200" dirty="0" smtClean="0">
-                <a:solidFill>
-                  <a:schemeClr val="tx1"/>
-                </a:solidFill>
-                <a:latin typeface="+mn-lt"/>
-                <a:ea typeface="+mn-ea"/>
-                <a:cs typeface="+mn-cs"/>
-              </a:rPr>
+              <a:rPr lang="en-US" sz="1300" dirty="0" smtClean="0"/>
               <a:t> „Android“.</a:t>
             </a:r>
           </a:p>
           <a:p>
             <a:r>
-              <a:rPr lang="en-US" sz="1200" kern="1200" baseline="0" dirty="0" smtClean="0">
-                <a:solidFill>
-                  <a:schemeClr val="tx1"/>
-                </a:solidFill>
-                <a:latin typeface="+mn-lt"/>
-                <a:ea typeface="+mn-ea"/>
-                <a:cs typeface="+mn-cs"/>
-              </a:rPr>
-              <a:t> - </a:t>
-            </a:r>
-            <a:r>
-              <a:rPr lang="en-US" sz="1200" kern="1200" dirty="0" smtClean="0">
-                <a:solidFill>
-                  <a:schemeClr val="tx1"/>
-                </a:solidFill>
-                <a:latin typeface="+mn-lt"/>
-                <a:ea typeface="+mn-ea"/>
-                <a:cs typeface="+mn-cs"/>
-              </a:rPr>
-              <a:t>Die App </a:t>
-            </a:r>
-            <a:r>
-              <a:rPr lang="en-US" sz="1200" kern="1200" dirty="0" err="1" smtClean="0">
-                <a:solidFill>
-                  <a:schemeClr val="tx1"/>
-                </a:solidFill>
-                <a:latin typeface="+mn-lt"/>
-                <a:ea typeface="+mn-ea"/>
-                <a:cs typeface="+mn-cs"/>
-              </a:rPr>
+              <a:rPr lang="en-US" sz="1300" dirty="0" smtClean="0"/>
+              <a:t> - Die App </a:t>
+            </a:r>
+            <a:r>
+              <a:rPr lang="en-US" sz="1300" dirty="0" err="1" smtClean="0"/>
               <a:t>soll</a:t>
             </a:r>
             <a:r>
-              <a:rPr lang="en-US" sz="1200" kern="1200" dirty="0" smtClean="0">
-                <a:solidFill>
-                  <a:schemeClr val="tx1"/>
-                </a:solidFill>
-                <a:latin typeface="+mn-lt"/>
-                <a:ea typeface="+mn-ea"/>
-                <a:cs typeface="+mn-cs"/>
-              </a:rPr>
+              <a:rPr lang="en-US" sz="1300" dirty="0" smtClean="0"/>
               <a:t> </a:t>
             </a:r>
             <a:r>
-              <a:rPr lang="en-US" sz="1200" kern="1200" dirty="0" err="1" smtClean="0">
-                <a:solidFill>
-                  <a:schemeClr val="tx1"/>
-                </a:solidFill>
-                <a:latin typeface="+mn-lt"/>
-                <a:ea typeface="+mn-ea"/>
-                <a:cs typeface="+mn-cs"/>
-              </a:rPr>
+              <a:rPr lang="en-US" sz="1300" dirty="0" err="1" smtClean="0"/>
               <a:t>Musiker</a:t>
             </a:r>
             <a:r>
-              <a:rPr lang="en-US" sz="1200" kern="1200" dirty="0" smtClean="0">
-                <a:solidFill>
-                  <a:schemeClr val="tx1"/>
-                </a:solidFill>
-                <a:latin typeface="+mn-lt"/>
-                <a:ea typeface="+mn-ea"/>
-                <a:cs typeface="+mn-cs"/>
-              </a:rPr>
+              <a:rPr lang="en-US" sz="1300" dirty="0" smtClean="0"/>
               <a:t> </a:t>
             </a:r>
             <a:r>
-              <a:rPr lang="en-US" sz="1200" kern="1200" dirty="0" err="1" smtClean="0">
-                <a:solidFill>
-                  <a:schemeClr val="tx1"/>
-                </a:solidFill>
-                <a:latin typeface="+mn-lt"/>
-                <a:ea typeface="+mn-ea"/>
-                <a:cs typeface="+mn-cs"/>
-              </a:rPr>
+              <a:rPr lang="en-US" sz="1300" dirty="0" err="1" smtClean="0"/>
               <a:t>beim</a:t>
             </a:r>
             <a:r>
-              <a:rPr lang="en-US" sz="1200" kern="1200" dirty="0" smtClean="0">
-                <a:solidFill>
-                  <a:schemeClr val="tx1"/>
-                </a:solidFill>
-                <a:latin typeface="+mn-lt"/>
-                <a:ea typeface="+mn-ea"/>
-                <a:cs typeface="+mn-cs"/>
-              </a:rPr>
+              <a:rPr lang="en-US" sz="1300" dirty="0" smtClean="0"/>
               <a:t> </a:t>
             </a:r>
             <a:r>
-              <a:rPr lang="en-US" sz="1200" kern="1200" dirty="0" err="1" smtClean="0">
-                <a:solidFill>
-                  <a:schemeClr val="tx1"/>
-                </a:solidFill>
-                <a:latin typeface="+mn-lt"/>
-                <a:ea typeface="+mn-ea"/>
-                <a:cs typeface="+mn-cs"/>
-              </a:rPr>
+              <a:rPr lang="en-US" sz="1300" dirty="0" err="1" smtClean="0"/>
               <a:t>Üben</a:t>
             </a:r>
             <a:r>
-              <a:rPr lang="en-US" sz="1200" kern="1200" dirty="0" smtClean="0">
-                <a:solidFill>
-                  <a:schemeClr val="tx1"/>
-                </a:solidFill>
-                <a:latin typeface="+mn-lt"/>
-                <a:ea typeface="+mn-ea"/>
-                <a:cs typeface="+mn-cs"/>
-              </a:rPr>
+              <a:rPr lang="en-US" sz="1300" dirty="0" smtClean="0"/>
               <a:t> </a:t>
             </a:r>
             <a:r>
-              <a:rPr lang="en-US" sz="1200" kern="1200" dirty="0" err="1" smtClean="0">
-                <a:solidFill>
-                  <a:schemeClr val="tx1"/>
-                </a:solidFill>
-                <a:latin typeface="+mn-lt"/>
-                <a:ea typeface="+mn-ea"/>
-                <a:cs typeface="+mn-cs"/>
-              </a:rPr>
+              <a:rPr lang="en-US" sz="1300" dirty="0" err="1" smtClean="0"/>
               <a:t>unterstützen</a:t>
             </a:r>
             <a:r>
-              <a:rPr lang="en-US" sz="1200" kern="1200" dirty="0" smtClean="0">
-                <a:solidFill>
-                  <a:schemeClr val="tx1"/>
-                </a:solidFill>
-                <a:latin typeface="+mn-lt"/>
-                <a:ea typeface="+mn-ea"/>
-                <a:cs typeface="+mn-cs"/>
-              </a:rPr>
+              <a:rPr lang="en-US" sz="1300" dirty="0" smtClean="0"/>
               <a:t>.</a:t>
             </a:r>
           </a:p>
           <a:p>
-            <a:endParaRPr lang="en-US" sz="1200" kern="1200" dirty="0" smtClean="0">
-              <a:solidFill>
-                <a:schemeClr val="tx1"/>
-              </a:solidFill>
-              <a:latin typeface="+mn-lt"/>
-              <a:ea typeface="+mn-ea"/>
-              <a:cs typeface="+mn-cs"/>
-            </a:endParaRPr>
-          </a:p>
-          <a:p>
-            <a:endParaRPr lang="en-US" sz="1200" kern="1200" dirty="0" smtClean="0">
-              <a:solidFill>
-                <a:schemeClr val="tx1"/>
-              </a:solidFill>
-              <a:latin typeface="+mn-lt"/>
-              <a:ea typeface="+mn-ea"/>
-              <a:cs typeface="+mn-cs"/>
-            </a:endParaRPr>
-          </a:p>
-          <a:p>
-            <a:r>
-              <a:rPr lang="en-US" sz="1200" kern="1200" dirty="0" err="1" smtClean="0">
-                <a:solidFill>
-                  <a:schemeClr val="tx1"/>
-                </a:solidFill>
-                <a:latin typeface="+mn-lt"/>
-                <a:ea typeface="+mn-ea"/>
-                <a:cs typeface="+mn-cs"/>
-              </a:rPr>
+            <a:endParaRPr lang="en-US" sz="1300" dirty="0" smtClean="0"/>
+          </a:p>
+          <a:p>
+            <a:endParaRPr lang="en-US" sz="1300" dirty="0" smtClean="0"/>
+          </a:p>
+          <a:p>
+            <a:r>
+              <a:rPr lang="en-US" sz="1300" dirty="0" err="1" smtClean="0"/>
               <a:t>Anforderungen</a:t>
             </a:r>
             <a:r>
-              <a:rPr lang="en-US" sz="1200" kern="1200" dirty="0" smtClean="0">
-                <a:solidFill>
-                  <a:schemeClr val="tx1"/>
-                </a:solidFill>
-                <a:latin typeface="+mn-lt"/>
-                <a:ea typeface="+mn-ea"/>
-                <a:cs typeface="+mn-cs"/>
-              </a:rPr>
+              <a:rPr lang="en-US" sz="1300" dirty="0" smtClean="0"/>
               <a:t>:</a:t>
             </a:r>
           </a:p>
           <a:p>
-            <a:pPr marL="0" marR="0" indent="0" algn="l" defTabSz="914400" rtl="0" eaLnBrk="1" fontAlgn="auto" latinLnBrk="0" hangingPunct="1">
-              <a:lnSpc>
-                <a:spcPct val="100000"/>
-              </a:lnSpc>
-              <a:spcBef>
-                <a:spcPts val="0"/>
-              </a:spcBef>
-              <a:spcAft>
-                <a:spcPts val="0"/>
-              </a:spcAft>
-              <a:buClrTx/>
-              <a:buSzTx/>
-              <a:buFontTx/>
-              <a:buNone/>
-              <a:tabLst/>
+            <a:pPr defTabSz="965881">
               <a:defRPr/>
             </a:pPr>
             <a:r>
-              <a:rPr lang="en-US" sz="1200" kern="1200" baseline="0" dirty="0" smtClean="0">
-                <a:solidFill>
-                  <a:schemeClr val="tx1"/>
-                </a:solidFill>
-                <a:latin typeface="+mn-lt"/>
-                <a:ea typeface="+mn-ea"/>
-                <a:cs typeface="+mn-cs"/>
-              </a:rPr>
-              <a:t> - </a:t>
-            </a:r>
-            <a:r>
-              <a:rPr lang="en-US" sz="1200" kern="1200" dirty="0" smtClean="0">
-                <a:solidFill>
-                  <a:schemeClr val="tx1"/>
-                </a:solidFill>
-                <a:latin typeface="+mn-lt"/>
-                <a:ea typeface="+mn-ea"/>
-                <a:cs typeface="+mn-cs"/>
-              </a:rPr>
-              <a:t>Die </a:t>
-            </a:r>
-            <a:r>
-              <a:rPr lang="en-US" sz="1200" kern="1200" dirty="0" err="1" smtClean="0">
-                <a:solidFill>
-                  <a:schemeClr val="tx1"/>
-                </a:solidFill>
-                <a:latin typeface="+mn-lt"/>
-                <a:ea typeface="+mn-ea"/>
-                <a:cs typeface="+mn-cs"/>
-              </a:rPr>
+              <a:rPr lang="en-US" sz="1300" dirty="0" smtClean="0"/>
+              <a:t> - Die </a:t>
+            </a:r>
+            <a:r>
+              <a:rPr lang="en-US" sz="1300" dirty="0" err="1" smtClean="0"/>
               <a:t>Grundfunktionen</a:t>
             </a:r>
             <a:r>
-              <a:rPr lang="en-US" sz="1200" kern="1200" dirty="0" smtClean="0">
-                <a:solidFill>
-                  <a:schemeClr val="tx1"/>
-                </a:solidFill>
-                <a:latin typeface="+mn-lt"/>
-                <a:ea typeface="+mn-ea"/>
-                <a:cs typeface="+mn-cs"/>
-              </a:rPr>
+              <a:rPr lang="en-US" sz="1300" dirty="0" smtClean="0"/>
               <a:t> </a:t>
             </a:r>
             <a:r>
-              <a:rPr lang="en-US" sz="1200" kern="1200" dirty="0" err="1" smtClean="0">
-                <a:solidFill>
-                  <a:schemeClr val="tx1"/>
-                </a:solidFill>
-                <a:latin typeface="+mn-lt"/>
-                <a:ea typeface="+mn-ea"/>
-                <a:cs typeface="+mn-cs"/>
-              </a:rPr>
+              <a:rPr lang="en-US" sz="1300" dirty="0" err="1" smtClean="0"/>
               <a:t>der</a:t>
             </a:r>
             <a:r>
-              <a:rPr lang="en-US" sz="1200" kern="1200" dirty="0" smtClean="0">
-                <a:solidFill>
-                  <a:schemeClr val="tx1"/>
-                </a:solidFill>
-                <a:latin typeface="+mn-lt"/>
-                <a:ea typeface="+mn-ea"/>
-                <a:cs typeface="+mn-cs"/>
-              </a:rPr>
+              <a:rPr lang="en-US" sz="1300" dirty="0" smtClean="0"/>
               <a:t> </a:t>
             </a:r>
             <a:r>
-              <a:rPr lang="en-US" sz="1200" kern="1200" dirty="0" err="1" smtClean="0">
-                <a:solidFill>
-                  <a:schemeClr val="tx1"/>
-                </a:solidFill>
-                <a:latin typeface="+mn-lt"/>
-                <a:ea typeface="+mn-ea"/>
-                <a:cs typeface="+mn-cs"/>
-              </a:rPr>
+              <a:rPr lang="en-US" sz="1300" dirty="0" err="1" smtClean="0"/>
               <a:t>Applikation</a:t>
             </a:r>
             <a:r>
-              <a:rPr lang="en-US" sz="1200" kern="1200" dirty="0" smtClean="0">
-                <a:solidFill>
-                  <a:schemeClr val="tx1"/>
-                </a:solidFill>
-                <a:latin typeface="+mn-lt"/>
-                <a:ea typeface="+mn-ea"/>
-                <a:cs typeface="+mn-cs"/>
-              </a:rPr>
+              <a:rPr lang="en-US" sz="1300" dirty="0" smtClean="0"/>
               <a:t> </a:t>
             </a:r>
             <a:r>
-              <a:rPr lang="en-US" sz="1200" kern="1200" dirty="0" err="1" smtClean="0">
-                <a:solidFill>
-                  <a:schemeClr val="tx1"/>
-                </a:solidFill>
-                <a:latin typeface="+mn-lt"/>
-                <a:ea typeface="+mn-ea"/>
-                <a:cs typeface="+mn-cs"/>
-              </a:rPr>
+              <a:rPr lang="en-US" sz="1300" dirty="0" err="1" smtClean="0"/>
               <a:t>sollen</a:t>
             </a:r>
             <a:r>
-              <a:rPr lang="en-US" sz="1200" kern="1200" dirty="0" smtClean="0">
-                <a:solidFill>
-                  <a:schemeClr val="tx1"/>
-                </a:solidFill>
-                <a:latin typeface="+mn-lt"/>
-                <a:ea typeface="+mn-ea"/>
-                <a:cs typeface="+mn-cs"/>
-              </a:rPr>
+              <a:rPr lang="en-US" sz="1300" dirty="0" smtClean="0"/>
               <a:t> </a:t>
             </a:r>
             <a:r>
-              <a:rPr lang="en-US" sz="1200" kern="1200" dirty="0" err="1" smtClean="0">
-                <a:solidFill>
-                  <a:schemeClr val="tx1"/>
-                </a:solidFill>
-                <a:latin typeface="+mn-lt"/>
-                <a:ea typeface="+mn-ea"/>
-                <a:cs typeface="+mn-cs"/>
-              </a:rPr>
+              <a:rPr lang="en-US" sz="1300" dirty="0" err="1" smtClean="0"/>
               <a:t>für</a:t>
             </a:r>
             <a:r>
-              <a:rPr lang="en-US" sz="1200" kern="1200" dirty="0" smtClean="0">
-                <a:solidFill>
-                  <a:schemeClr val="tx1"/>
-                </a:solidFill>
-                <a:latin typeface="+mn-lt"/>
-                <a:ea typeface="+mn-ea"/>
-                <a:cs typeface="+mn-cs"/>
-              </a:rPr>
+              <a:rPr lang="en-US" sz="1300" dirty="0" smtClean="0"/>
               <a:t> </a:t>
             </a:r>
             <a:r>
-              <a:rPr lang="en-US" sz="1200" kern="1200" dirty="0" err="1" smtClean="0">
-                <a:solidFill>
-                  <a:schemeClr val="tx1"/>
-                </a:solidFill>
-                <a:latin typeface="+mn-lt"/>
-                <a:ea typeface="+mn-ea"/>
-                <a:cs typeface="+mn-cs"/>
-              </a:rPr>
+              <a:rPr lang="en-US" sz="1300" dirty="0" err="1" smtClean="0"/>
               <a:t>Privatanwender</a:t>
             </a:r>
             <a:r>
-              <a:rPr lang="en-US" sz="1200" kern="1200" dirty="0" smtClean="0">
-                <a:solidFill>
-                  <a:schemeClr val="tx1"/>
-                </a:solidFill>
-                <a:latin typeface="+mn-lt"/>
-                <a:ea typeface="+mn-ea"/>
-                <a:cs typeface="+mn-cs"/>
-              </a:rPr>
+              <a:rPr lang="en-US" sz="1300" dirty="0" smtClean="0"/>
               <a:t> </a:t>
             </a:r>
             <a:r>
-              <a:rPr lang="en-US" sz="1200" kern="1200" dirty="0" err="1" smtClean="0">
-                <a:solidFill>
-                  <a:schemeClr val="tx1"/>
-                </a:solidFill>
-                <a:latin typeface="+mn-lt"/>
-                <a:ea typeface="+mn-ea"/>
-                <a:cs typeface="+mn-cs"/>
-              </a:rPr>
+              <a:rPr lang="en-US" sz="1300" dirty="0" err="1" smtClean="0"/>
               <a:t>ohne</a:t>
             </a:r>
             <a:r>
-              <a:rPr lang="en-US" sz="1200" kern="1200" dirty="0" smtClean="0">
-                <a:solidFill>
-                  <a:schemeClr val="tx1"/>
-                </a:solidFill>
-                <a:latin typeface="+mn-lt"/>
-                <a:ea typeface="+mn-ea"/>
-                <a:cs typeface="+mn-cs"/>
-              </a:rPr>
+              <a:rPr lang="en-US" sz="1300" dirty="0" smtClean="0"/>
               <a:t> </a:t>
             </a:r>
             <a:r>
-              <a:rPr lang="en-US" sz="1200" kern="1200" dirty="0" err="1" smtClean="0">
-                <a:solidFill>
-                  <a:schemeClr val="tx1"/>
-                </a:solidFill>
-                <a:latin typeface="+mn-lt"/>
-                <a:ea typeface="+mn-ea"/>
-                <a:cs typeface="+mn-cs"/>
-              </a:rPr>
+              <a:rPr lang="en-US" sz="1300" dirty="0" err="1" smtClean="0"/>
               <a:t>nennenswerten</a:t>
             </a:r>
             <a:r>
-              <a:rPr lang="en-US" sz="1200" kern="1200" dirty="0" smtClean="0">
-                <a:solidFill>
-                  <a:schemeClr val="tx1"/>
-                </a:solidFill>
-                <a:latin typeface="+mn-lt"/>
-                <a:ea typeface="+mn-ea"/>
-                <a:cs typeface="+mn-cs"/>
-              </a:rPr>
+              <a:rPr lang="en-US" sz="1300" dirty="0" smtClean="0"/>
               <a:t> </a:t>
             </a:r>
             <a:r>
-              <a:rPr lang="en-US" sz="1200" kern="1200" dirty="0" err="1" smtClean="0">
-                <a:solidFill>
-                  <a:schemeClr val="tx1"/>
-                </a:solidFill>
-                <a:latin typeface="+mn-lt"/>
-                <a:ea typeface="+mn-ea"/>
-                <a:cs typeface="+mn-cs"/>
-              </a:rPr>
+              <a:rPr lang="en-US" sz="1300" dirty="0" err="1" smtClean="0"/>
               <a:t>technischen</a:t>
             </a:r>
             <a:r>
-              <a:rPr lang="en-US" sz="1200" kern="1200" dirty="0" smtClean="0">
-                <a:solidFill>
-                  <a:schemeClr val="tx1"/>
-                </a:solidFill>
-                <a:latin typeface="+mn-lt"/>
-                <a:ea typeface="+mn-ea"/>
-                <a:cs typeface="+mn-cs"/>
-              </a:rPr>
+              <a:rPr lang="en-US" sz="1300" dirty="0" smtClean="0"/>
               <a:t> </a:t>
             </a:r>
             <a:r>
-              <a:rPr lang="en-US" sz="1200" kern="1200" dirty="0" err="1" smtClean="0">
-                <a:solidFill>
-                  <a:schemeClr val="tx1"/>
-                </a:solidFill>
-                <a:latin typeface="+mn-lt"/>
-                <a:ea typeface="+mn-ea"/>
-                <a:cs typeface="+mn-cs"/>
-              </a:rPr>
+              <a:rPr lang="en-US" sz="1300" dirty="0" err="1" smtClean="0"/>
               <a:t>Kenntnissen</a:t>
             </a:r>
             <a:r>
-              <a:rPr lang="en-US" sz="1200" kern="1200" dirty="0" smtClean="0">
-                <a:solidFill>
-                  <a:schemeClr val="tx1"/>
-                </a:solidFill>
-                <a:latin typeface="+mn-lt"/>
-                <a:ea typeface="+mn-ea"/>
-                <a:cs typeface="+mn-cs"/>
-              </a:rPr>
+              <a:rPr lang="en-US" sz="1300" dirty="0" smtClean="0"/>
               <a:t> </a:t>
             </a:r>
             <a:r>
-              <a:rPr lang="en-US" sz="1200" kern="1200" dirty="0" err="1" smtClean="0">
-                <a:solidFill>
-                  <a:schemeClr val="tx1"/>
-                </a:solidFill>
-                <a:latin typeface="+mn-lt"/>
-                <a:ea typeface="+mn-ea"/>
-                <a:cs typeface="+mn-cs"/>
-              </a:rPr>
+              <a:rPr lang="en-US" sz="1300" dirty="0" err="1" smtClean="0"/>
               <a:t>nach</a:t>
             </a:r>
             <a:r>
-              <a:rPr lang="en-US" sz="1200" kern="1200" dirty="0" smtClean="0">
-                <a:solidFill>
-                  <a:schemeClr val="tx1"/>
-                </a:solidFill>
-                <a:latin typeface="+mn-lt"/>
-                <a:ea typeface="+mn-ea"/>
-                <a:cs typeface="+mn-cs"/>
-              </a:rPr>
+              <a:rPr lang="en-US" sz="1300" dirty="0" smtClean="0"/>
               <a:t> </a:t>
             </a:r>
             <a:r>
-              <a:rPr lang="en-US" sz="1200" kern="1200" dirty="0" err="1" smtClean="0">
-                <a:solidFill>
-                  <a:schemeClr val="tx1"/>
-                </a:solidFill>
-                <a:latin typeface="+mn-lt"/>
-                <a:ea typeface="+mn-ea"/>
-                <a:cs typeface="+mn-cs"/>
-              </a:rPr>
+              <a:rPr lang="en-US" sz="1300" dirty="0" err="1" smtClean="0"/>
               <a:t>kurzer</a:t>
             </a:r>
             <a:r>
-              <a:rPr lang="en-US" sz="1200" kern="1200" dirty="0" smtClean="0">
-                <a:solidFill>
-                  <a:schemeClr val="tx1"/>
-                </a:solidFill>
-                <a:latin typeface="+mn-lt"/>
-                <a:ea typeface="+mn-ea"/>
-                <a:cs typeface="+mn-cs"/>
-              </a:rPr>
+              <a:rPr lang="en-US" sz="1300" dirty="0" smtClean="0"/>
               <a:t> </a:t>
             </a:r>
             <a:r>
-              <a:rPr lang="en-US" sz="1200" kern="1200" dirty="0" err="1" smtClean="0">
-                <a:solidFill>
-                  <a:schemeClr val="tx1"/>
-                </a:solidFill>
-                <a:latin typeface="+mn-lt"/>
-                <a:ea typeface="+mn-ea"/>
-                <a:cs typeface="+mn-cs"/>
-              </a:rPr>
+              <a:rPr lang="en-US" sz="1300" dirty="0" err="1" smtClean="0"/>
               <a:t>Einarbeitungszeit</a:t>
             </a:r>
             <a:r>
-              <a:rPr lang="en-US" sz="1200" kern="1200" dirty="0" smtClean="0">
-                <a:solidFill>
-                  <a:schemeClr val="tx1"/>
-                </a:solidFill>
-                <a:latin typeface="+mn-lt"/>
-                <a:ea typeface="+mn-ea"/>
-                <a:cs typeface="+mn-cs"/>
-              </a:rPr>
+              <a:rPr lang="en-US" sz="1300" dirty="0" smtClean="0"/>
               <a:t> </a:t>
             </a:r>
             <a:r>
-              <a:rPr lang="en-US" sz="1200" kern="1200" dirty="0" err="1" smtClean="0">
-                <a:solidFill>
-                  <a:schemeClr val="tx1"/>
-                </a:solidFill>
-                <a:latin typeface="+mn-lt"/>
-                <a:ea typeface="+mn-ea"/>
-                <a:cs typeface="+mn-cs"/>
-              </a:rPr>
+              <a:rPr lang="en-US" sz="1300" dirty="0" err="1" smtClean="0"/>
               <a:t>nutzbar</a:t>
             </a:r>
             <a:r>
-              <a:rPr lang="en-US" sz="1200" kern="1200" dirty="0" smtClean="0">
-                <a:solidFill>
-                  <a:schemeClr val="tx1"/>
-                </a:solidFill>
-                <a:latin typeface="+mn-lt"/>
-                <a:ea typeface="+mn-ea"/>
-                <a:cs typeface="+mn-cs"/>
-              </a:rPr>
+              <a:rPr lang="en-US" sz="1300" dirty="0" smtClean="0"/>
               <a:t> </a:t>
             </a:r>
             <a:r>
-              <a:rPr lang="en-US" sz="1200" kern="1200" dirty="0" err="1" smtClean="0">
-                <a:solidFill>
-                  <a:schemeClr val="tx1"/>
-                </a:solidFill>
-                <a:latin typeface="+mn-lt"/>
-                <a:ea typeface="+mn-ea"/>
-                <a:cs typeface="+mn-cs"/>
-              </a:rPr>
+              <a:rPr lang="en-US" sz="1300" dirty="0" err="1" smtClean="0"/>
               <a:t>sein</a:t>
             </a:r>
             <a:r>
-              <a:rPr lang="en-US" sz="1200" kern="1200" dirty="0" smtClean="0">
-                <a:solidFill>
-                  <a:schemeClr val="tx1"/>
-                </a:solidFill>
-                <a:latin typeface="+mn-lt"/>
-                <a:ea typeface="+mn-ea"/>
-                <a:cs typeface="+mn-cs"/>
-              </a:rPr>
+              <a:rPr lang="en-US" sz="1300" dirty="0" smtClean="0"/>
               <a:t>. </a:t>
             </a:r>
             <a:r>
-              <a:rPr lang="en-US" sz="1200" kern="1200" dirty="0" err="1" smtClean="0">
-                <a:solidFill>
-                  <a:schemeClr val="tx1"/>
-                </a:solidFill>
-                <a:latin typeface="+mn-lt"/>
-                <a:ea typeface="+mn-ea"/>
-                <a:cs typeface="+mn-cs"/>
-              </a:rPr>
+              <a:rPr lang="en-US" sz="1300" dirty="0" err="1" smtClean="0"/>
               <a:t>Zur</a:t>
             </a:r>
             <a:r>
-              <a:rPr lang="en-US" sz="1200" kern="1200" dirty="0" smtClean="0">
-                <a:solidFill>
-                  <a:schemeClr val="tx1"/>
-                </a:solidFill>
-                <a:latin typeface="+mn-lt"/>
-                <a:ea typeface="+mn-ea"/>
-                <a:cs typeface="+mn-cs"/>
-              </a:rPr>
+              <a:rPr lang="en-US" sz="1300" dirty="0" smtClean="0"/>
               <a:t> </a:t>
             </a:r>
             <a:r>
-              <a:rPr lang="en-US" sz="1200" kern="1200" dirty="0" err="1" smtClean="0">
-                <a:solidFill>
-                  <a:schemeClr val="tx1"/>
-                </a:solidFill>
-                <a:latin typeface="+mn-lt"/>
-                <a:ea typeface="+mn-ea"/>
-                <a:cs typeface="+mn-cs"/>
-              </a:rPr>
+              <a:rPr lang="en-US" sz="1300" dirty="0" err="1" smtClean="0"/>
               <a:t>Nutzung</a:t>
             </a:r>
             <a:r>
-              <a:rPr lang="en-US" sz="1200" kern="1200" dirty="0" smtClean="0">
-                <a:solidFill>
-                  <a:schemeClr val="tx1"/>
-                </a:solidFill>
-                <a:latin typeface="+mn-lt"/>
-                <a:ea typeface="+mn-ea"/>
-                <a:cs typeface="+mn-cs"/>
-              </a:rPr>
+              <a:rPr lang="en-US" sz="1300" dirty="0" smtClean="0"/>
               <a:t> </a:t>
             </a:r>
             <a:r>
-              <a:rPr lang="en-US" sz="1200" kern="1200" dirty="0" err="1" smtClean="0">
-                <a:solidFill>
-                  <a:schemeClr val="tx1"/>
-                </a:solidFill>
-                <a:latin typeface="+mn-lt"/>
-                <a:ea typeface="+mn-ea"/>
-                <a:cs typeface="+mn-cs"/>
-              </a:rPr>
+              <a:rPr lang="en-US" sz="1300" dirty="0" err="1" smtClean="0"/>
               <a:t>weiterer</a:t>
             </a:r>
             <a:r>
-              <a:rPr lang="en-US" sz="1200" kern="1200" dirty="0" smtClean="0">
-                <a:solidFill>
-                  <a:schemeClr val="tx1"/>
-                </a:solidFill>
-                <a:latin typeface="+mn-lt"/>
-                <a:ea typeface="+mn-ea"/>
-                <a:cs typeface="+mn-cs"/>
-              </a:rPr>
+              <a:rPr lang="en-US" sz="1300" dirty="0" smtClean="0"/>
               <a:t> Features </a:t>
             </a:r>
             <a:r>
-              <a:rPr lang="en-US" sz="1200" kern="1200" dirty="0" err="1" smtClean="0">
-                <a:solidFill>
-                  <a:schemeClr val="tx1"/>
-                </a:solidFill>
-                <a:latin typeface="+mn-lt"/>
-                <a:ea typeface="+mn-ea"/>
-                <a:cs typeface="+mn-cs"/>
-              </a:rPr>
+              <a:rPr lang="en-US" sz="1300" dirty="0" err="1" smtClean="0"/>
               <a:t>sind</a:t>
             </a:r>
             <a:r>
-              <a:rPr lang="en-US" sz="1200" kern="1200" dirty="0" smtClean="0">
-                <a:solidFill>
-                  <a:schemeClr val="tx1"/>
-                </a:solidFill>
-                <a:latin typeface="+mn-lt"/>
-                <a:ea typeface="+mn-ea"/>
-                <a:cs typeface="+mn-cs"/>
-              </a:rPr>
+              <a:rPr lang="en-US" sz="1300" dirty="0" smtClean="0"/>
               <a:t> </a:t>
             </a:r>
             <a:r>
-              <a:rPr lang="en-US" sz="1200" kern="1200" dirty="0" err="1" smtClean="0">
-                <a:solidFill>
-                  <a:schemeClr val="tx1"/>
-                </a:solidFill>
-                <a:latin typeface="+mn-lt"/>
-                <a:ea typeface="+mn-ea"/>
-                <a:cs typeface="+mn-cs"/>
-              </a:rPr>
+              <a:rPr lang="en-US" sz="1300" dirty="0" err="1" smtClean="0"/>
               <a:t>musikalische</a:t>
             </a:r>
             <a:r>
-              <a:rPr lang="en-US" sz="1200" kern="1200" dirty="0" smtClean="0">
-                <a:solidFill>
-                  <a:schemeClr val="tx1"/>
-                </a:solidFill>
-                <a:latin typeface="+mn-lt"/>
-                <a:ea typeface="+mn-ea"/>
-                <a:cs typeface="+mn-cs"/>
-              </a:rPr>
+              <a:rPr lang="en-US" sz="1300" dirty="0" smtClean="0"/>
               <a:t> </a:t>
             </a:r>
             <a:r>
-              <a:rPr lang="en-US" sz="1200" kern="1200" dirty="0" err="1" smtClean="0">
-                <a:solidFill>
-                  <a:schemeClr val="tx1"/>
-                </a:solidFill>
-                <a:latin typeface="+mn-lt"/>
-                <a:ea typeface="+mn-ea"/>
-                <a:cs typeface="+mn-cs"/>
-              </a:rPr>
+              <a:rPr lang="en-US" sz="1300" dirty="0" err="1" smtClean="0"/>
               <a:t>Grundkenntnisse</a:t>
             </a:r>
             <a:r>
-              <a:rPr lang="en-US" sz="1200" kern="1200" dirty="0" smtClean="0">
-                <a:solidFill>
-                  <a:schemeClr val="tx1"/>
-                </a:solidFill>
-                <a:latin typeface="+mn-lt"/>
-                <a:ea typeface="+mn-ea"/>
-                <a:cs typeface="+mn-cs"/>
-              </a:rPr>
+              <a:rPr lang="en-US" sz="1300" dirty="0" smtClean="0"/>
               <a:t> </a:t>
             </a:r>
             <a:r>
-              <a:rPr lang="en-US" sz="1200" kern="1200" dirty="0" err="1" smtClean="0">
-                <a:solidFill>
-                  <a:schemeClr val="tx1"/>
-                </a:solidFill>
-                <a:latin typeface="+mn-lt"/>
-                <a:ea typeface="+mn-ea"/>
-                <a:cs typeface="+mn-cs"/>
-              </a:rPr>
+              <a:rPr lang="en-US" sz="1300" dirty="0" err="1" smtClean="0"/>
               <a:t>nötig</a:t>
             </a:r>
             <a:r>
-              <a:rPr lang="en-US" sz="1200" kern="1200" dirty="0" smtClean="0">
-                <a:solidFill>
-                  <a:schemeClr val="tx1"/>
-                </a:solidFill>
-                <a:latin typeface="+mn-lt"/>
-                <a:ea typeface="+mn-ea"/>
-                <a:cs typeface="+mn-cs"/>
-              </a:rPr>
+              <a:rPr lang="en-US" sz="1300" dirty="0" smtClean="0"/>
               <a:t>.</a:t>
             </a:r>
           </a:p>
           <a:p>
-            <a:pPr marL="0" marR="0" indent="0" algn="l" defTabSz="914400" rtl="0" eaLnBrk="1" fontAlgn="auto" latinLnBrk="0" hangingPunct="1">
-              <a:lnSpc>
-                <a:spcPct val="100000"/>
-              </a:lnSpc>
-              <a:spcBef>
-                <a:spcPts val="0"/>
-              </a:spcBef>
-              <a:spcAft>
-                <a:spcPts val="0"/>
-              </a:spcAft>
-              <a:buClrTx/>
-              <a:buSzTx/>
-              <a:buFontTx/>
-              <a:buNone/>
-              <a:tabLst/>
+            <a:pPr defTabSz="965881">
               <a:defRPr/>
             </a:pPr>
             <a:r>
@@ -1508,484 +879,176 @@
               <a:t> - </a:t>
             </a:r>
             <a:r>
-              <a:rPr lang="en-US" sz="1200" kern="1200" dirty="0" err="1" smtClean="0">
-                <a:solidFill>
-                  <a:schemeClr val="tx1"/>
-                </a:solidFill>
-                <a:latin typeface="+mn-lt"/>
-                <a:ea typeface="+mn-ea"/>
-                <a:cs typeface="+mn-cs"/>
-              </a:rPr>
+              <a:rPr lang="en-US" sz="1300" dirty="0" err="1" smtClean="0"/>
               <a:t>Da</a:t>
             </a:r>
             <a:r>
-              <a:rPr lang="en-US" sz="1200" kern="1200" dirty="0" smtClean="0">
-                <a:solidFill>
-                  <a:schemeClr val="tx1"/>
-                </a:solidFill>
-                <a:latin typeface="+mn-lt"/>
-                <a:ea typeface="+mn-ea"/>
-                <a:cs typeface="+mn-cs"/>
-              </a:rPr>
+              <a:rPr lang="en-US" sz="1300" dirty="0" smtClean="0"/>
               <a:t> </a:t>
             </a:r>
             <a:r>
-              <a:rPr lang="en-US" sz="1200" kern="1200" dirty="0" err="1" smtClean="0">
-                <a:solidFill>
-                  <a:schemeClr val="tx1"/>
-                </a:solidFill>
-                <a:latin typeface="+mn-lt"/>
-                <a:ea typeface="+mn-ea"/>
-                <a:cs typeface="+mn-cs"/>
-              </a:rPr>
+              <a:rPr lang="en-US" sz="1300" dirty="0" err="1" smtClean="0"/>
               <a:t>es</a:t>
             </a:r>
             <a:r>
-              <a:rPr lang="en-US" sz="1200" kern="1200" dirty="0" smtClean="0">
-                <a:solidFill>
-                  <a:schemeClr val="tx1"/>
-                </a:solidFill>
-                <a:latin typeface="+mn-lt"/>
-                <a:ea typeface="+mn-ea"/>
-                <a:cs typeface="+mn-cs"/>
-              </a:rPr>
+              <a:rPr lang="en-US" sz="1300" dirty="0" smtClean="0"/>
               <a:t> </a:t>
             </a:r>
             <a:r>
-              <a:rPr lang="en-US" sz="1200" kern="1200" dirty="0" err="1" smtClean="0">
-                <a:solidFill>
-                  <a:schemeClr val="tx1"/>
-                </a:solidFill>
-                <a:latin typeface="+mn-lt"/>
-                <a:ea typeface="+mn-ea"/>
-                <a:cs typeface="+mn-cs"/>
-              </a:rPr>
+              <a:rPr lang="en-US" sz="1300" dirty="0" err="1" smtClean="0"/>
               <a:t>sich</a:t>
             </a:r>
             <a:r>
-              <a:rPr lang="en-US" sz="1200" kern="1200" dirty="0" smtClean="0">
-                <a:solidFill>
-                  <a:schemeClr val="tx1"/>
-                </a:solidFill>
-                <a:latin typeface="+mn-lt"/>
-                <a:ea typeface="+mn-ea"/>
-                <a:cs typeface="+mn-cs"/>
-              </a:rPr>
+              <a:rPr lang="en-US" sz="1300" dirty="0" smtClean="0"/>
               <a:t> </a:t>
             </a:r>
             <a:r>
-              <a:rPr lang="en-US" sz="1200" kern="1200" dirty="0" err="1" smtClean="0">
-                <a:solidFill>
-                  <a:schemeClr val="tx1"/>
-                </a:solidFill>
-                <a:latin typeface="+mn-lt"/>
-                <a:ea typeface="+mn-ea"/>
-                <a:cs typeface="+mn-cs"/>
-              </a:rPr>
+              <a:rPr lang="en-US" sz="1300" dirty="0" err="1" smtClean="0"/>
               <a:t>bei</a:t>
             </a:r>
             <a:r>
-              <a:rPr lang="en-US" sz="1200" kern="1200" dirty="0" smtClean="0">
-                <a:solidFill>
-                  <a:schemeClr val="tx1"/>
-                </a:solidFill>
-                <a:latin typeface="+mn-lt"/>
-                <a:ea typeface="+mn-ea"/>
-                <a:cs typeface="+mn-cs"/>
-              </a:rPr>
+              <a:rPr lang="en-US" sz="1300" dirty="0" smtClean="0"/>
               <a:t> </a:t>
             </a:r>
             <a:r>
-              <a:rPr lang="en-US" sz="1200" kern="1200" dirty="0" err="1" smtClean="0">
-                <a:solidFill>
-                  <a:schemeClr val="tx1"/>
-                </a:solidFill>
-                <a:latin typeface="+mn-lt"/>
-                <a:ea typeface="+mn-ea"/>
-                <a:cs typeface="+mn-cs"/>
-              </a:rPr>
+              <a:rPr lang="en-US" sz="1300" dirty="0" err="1" smtClean="0"/>
               <a:t>einem</a:t>
             </a:r>
             <a:r>
-              <a:rPr lang="en-US" sz="1200" kern="1200" dirty="0" smtClean="0">
-                <a:solidFill>
-                  <a:schemeClr val="tx1"/>
-                </a:solidFill>
-                <a:latin typeface="+mn-lt"/>
-                <a:ea typeface="+mn-ea"/>
-                <a:cs typeface="+mn-cs"/>
-              </a:rPr>
+              <a:rPr lang="en-US" sz="1300" dirty="0" smtClean="0"/>
               <a:t> </a:t>
             </a:r>
             <a:r>
-              <a:rPr lang="en-US" sz="1200" kern="1200" dirty="0" err="1" smtClean="0">
-                <a:solidFill>
-                  <a:schemeClr val="tx1"/>
-                </a:solidFill>
-                <a:latin typeface="+mn-lt"/>
-                <a:ea typeface="+mn-ea"/>
-                <a:cs typeface="+mn-cs"/>
-              </a:rPr>
+              <a:rPr lang="en-US" sz="1300" dirty="0" err="1" smtClean="0"/>
               <a:t>Metronom</a:t>
             </a:r>
             <a:r>
-              <a:rPr lang="en-US" sz="1200" kern="1200" dirty="0" smtClean="0">
-                <a:solidFill>
-                  <a:schemeClr val="tx1"/>
-                </a:solidFill>
-                <a:latin typeface="+mn-lt"/>
-                <a:ea typeface="+mn-ea"/>
-                <a:cs typeface="+mn-cs"/>
-              </a:rPr>
+              <a:rPr lang="en-US" sz="1300" dirty="0" smtClean="0"/>
               <a:t> um </a:t>
             </a:r>
             <a:r>
-              <a:rPr lang="en-US" sz="1200" kern="1200" dirty="0" err="1" smtClean="0">
-                <a:solidFill>
-                  <a:schemeClr val="tx1"/>
-                </a:solidFill>
-                <a:latin typeface="+mn-lt"/>
-                <a:ea typeface="+mn-ea"/>
-                <a:cs typeface="+mn-cs"/>
-              </a:rPr>
+              <a:rPr lang="en-US" sz="1300" dirty="0" err="1" smtClean="0"/>
               <a:t>eine</a:t>
             </a:r>
             <a:r>
-              <a:rPr lang="en-US" sz="1200" kern="1200" dirty="0" smtClean="0">
-                <a:solidFill>
-                  <a:schemeClr val="tx1"/>
-                </a:solidFill>
-                <a:latin typeface="+mn-lt"/>
-                <a:ea typeface="+mn-ea"/>
-                <a:cs typeface="+mn-cs"/>
-              </a:rPr>
+              <a:rPr lang="en-US" sz="1300" dirty="0" smtClean="0"/>
               <a:t> </a:t>
             </a:r>
             <a:r>
-              <a:rPr lang="en-US" sz="1200" kern="1200" dirty="0" err="1" smtClean="0">
-                <a:solidFill>
-                  <a:schemeClr val="tx1"/>
-                </a:solidFill>
-                <a:latin typeface="+mn-lt"/>
-                <a:ea typeface="+mn-ea"/>
-                <a:cs typeface="+mn-cs"/>
-              </a:rPr>
+              <a:rPr lang="en-US" sz="1300" dirty="0" err="1" smtClean="0"/>
               <a:t>zeitkritische</a:t>
             </a:r>
             <a:r>
-              <a:rPr lang="en-US" sz="1200" kern="1200" dirty="0" smtClean="0">
-                <a:solidFill>
-                  <a:schemeClr val="tx1"/>
-                </a:solidFill>
-                <a:latin typeface="+mn-lt"/>
-                <a:ea typeface="+mn-ea"/>
-                <a:cs typeface="+mn-cs"/>
-              </a:rPr>
+              <a:rPr lang="en-US" sz="1300" dirty="0" smtClean="0"/>
               <a:t> </a:t>
             </a:r>
             <a:r>
-              <a:rPr lang="en-US" sz="1200" kern="1200" dirty="0" err="1" smtClean="0">
-                <a:solidFill>
-                  <a:schemeClr val="tx1"/>
-                </a:solidFill>
-                <a:latin typeface="+mn-lt"/>
-                <a:ea typeface="+mn-ea"/>
-                <a:cs typeface="+mn-cs"/>
-              </a:rPr>
+              <a:rPr lang="en-US" sz="1300" dirty="0" err="1" smtClean="0"/>
               <a:t>Anwendung</a:t>
             </a:r>
             <a:r>
-              <a:rPr lang="en-US" sz="1200" kern="1200" dirty="0" smtClean="0">
-                <a:solidFill>
-                  <a:schemeClr val="tx1"/>
-                </a:solidFill>
-                <a:latin typeface="+mn-lt"/>
-                <a:ea typeface="+mn-ea"/>
-                <a:cs typeface="+mn-cs"/>
-              </a:rPr>
+              <a:rPr lang="en-US" sz="1300" dirty="0" smtClean="0"/>
               <a:t> </a:t>
             </a:r>
             <a:r>
-              <a:rPr lang="en-US" sz="1200" kern="1200" dirty="0" err="1" smtClean="0">
-                <a:solidFill>
-                  <a:schemeClr val="tx1"/>
-                </a:solidFill>
-                <a:latin typeface="+mn-lt"/>
-                <a:ea typeface="+mn-ea"/>
-                <a:cs typeface="+mn-cs"/>
-              </a:rPr>
+              <a:rPr lang="en-US" sz="1300" dirty="0" err="1" smtClean="0"/>
               <a:t>handelt</a:t>
             </a:r>
             <a:r>
-              <a:rPr lang="en-US" sz="1200" kern="1200" dirty="0" smtClean="0">
-                <a:solidFill>
-                  <a:schemeClr val="tx1"/>
-                </a:solidFill>
-                <a:latin typeface="+mn-lt"/>
-                <a:ea typeface="+mn-ea"/>
-                <a:cs typeface="+mn-cs"/>
-              </a:rPr>
+              <a:rPr lang="en-US" sz="1300" dirty="0" smtClean="0"/>
               <a:t>, </a:t>
             </a:r>
             <a:r>
-              <a:rPr lang="en-US" sz="1200" kern="1200" dirty="0" err="1" smtClean="0">
-                <a:solidFill>
-                  <a:schemeClr val="tx1"/>
-                </a:solidFill>
-                <a:latin typeface="+mn-lt"/>
-                <a:ea typeface="+mn-ea"/>
-                <a:cs typeface="+mn-cs"/>
-              </a:rPr>
+              <a:rPr lang="en-US" sz="1300" dirty="0" err="1" smtClean="0"/>
               <a:t>dürfen</a:t>
             </a:r>
             <a:r>
-              <a:rPr lang="en-US" sz="1200" kern="1200" dirty="0" smtClean="0">
-                <a:solidFill>
-                  <a:schemeClr val="tx1"/>
-                </a:solidFill>
-                <a:latin typeface="+mn-lt"/>
-                <a:ea typeface="+mn-ea"/>
-                <a:cs typeface="+mn-cs"/>
-              </a:rPr>
+              <a:rPr lang="en-US" sz="1300" dirty="0" smtClean="0"/>
               <a:t> die </a:t>
             </a:r>
             <a:r>
-              <a:rPr lang="en-US" sz="1200" kern="1200" dirty="0" err="1" smtClean="0">
-                <a:solidFill>
-                  <a:schemeClr val="tx1"/>
-                </a:solidFill>
-                <a:latin typeface="+mn-lt"/>
-                <a:ea typeface="+mn-ea"/>
-                <a:cs typeface="+mn-cs"/>
-              </a:rPr>
+              <a:rPr lang="en-US" sz="1300" dirty="0" err="1" smtClean="0"/>
               <a:t>Verzögerungszeiten</a:t>
             </a:r>
             <a:r>
-              <a:rPr lang="en-US" sz="1200" kern="1200" dirty="0" smtClean="0">
-                <a:solidFill>
-                  <a:schemeClr val="tx1"/>
-                </a:solidFill>
-                <a:latin typeface="+mn-lt"/>
-                <a:ea typeface="+mn-ea"/>
-                <a:cs typeface="+mn-cs"/>
-              </a:rPr>
+              <a:rPr lang="en-US" sz="1300" dirty="0" smtClean="0"/>
               <a:t> </a:t>
             </a:r>
             <a:r>
-              <a:rPr lang="en-US" sz="1200" kern="1200" dirty="0" err="1" smtClean="0">
-                <a:solidFill>
-                  <a:schemeClr val="tx1"/>
-                </a:solidFill>
-                <a:latin typeface="+mn-lt"/>
-                <a:ea typeface="+mn-ea"/>
-                <a:cs typeface="+mn-cs"/>
-              </a:rPr>
+              <a:rPr lang="en-US" sz="1300" dirty="0" err="1" smtClean="0"/>
               <a:t>nicht</a:t>
             </a:r>
             <a:r>
-              <a:rPr lang="en-US" sz="1200" kern="1200" dirty="0" smtClean="0">
-                <a:solidFill>
-                  <a:schemeClr val="tx1"/>
-                </a:solidFill>
-                <a:latin typeface="+mn-lt"/>
-                <a:ea typeface="+mn-ea"/>
-                <a:cs typeface="+mn-cs"/>
-              </a:rPr>
+              <a:rPr lang="en-US" sz="1300" dirty="0" smtClean="0"/>
               <a:t> </a:t>
             </a:r>
             <a:r>
-              <a:rPr lang="en-US" sz="1200" kern="1200" dirty="0" err="1" smtClean="0">
-                <a:solidFill>
-                  <a:schemeClr val="tx1"/>
-                </a:solidFill>
-                <a:latin typeface="+mn-lt"/>
-                <a:ea typeface="+mn-ea"/>
-                <a:cs typeface="+mn-cs"/>
-              </a:rPr>
+              <a:rPr lang="en-US" sz="1300" dirty="0" err="1" smtClean="0"/>
               <a:t>größer</a:t>
             </a:r>
             <a:r>
-              <a:rPr lang="en-US" sz="1200" kern="1200" dirty="0" smtClean="0">
-                <a:solidFill>
-                  <a:schemeClr val="tx1"/>
-                </a:solidFill>
-                <a:latin typeface="+mn-lt"/>
-                <a:ea typeface="+mn-ea"/>
-                <a:cs typeface="+mn-cs"/>
-              </a:rPr>
+              <a:rPr lang="en-US" sz="1300" dirty="0" smtClean="0"/>
               <a:t> </a:t>
             </a:r>
             <a:r>
-              <a:rPr lang="en-US" sz="1200" kern="1200" dirty="0" err="1" smtClean="0">
-                <a:solidFill>
-                  <a:schemeClr val="tx1"/>
-                </a:solidFill>
-                <a:latin typeface="+mn-lt"/>
-                <a:ea typeface="+mn-ea"/>
-                <a:cs typeface="+mn-cs"/>
-              </a:rPr>
+              <a:rPr lang="en-US" sz="1300" dirty="0" err="1" smtClean="0"/>
               <a:t>als</a:t>
             </a:r>
             <a:r>
-              <a:rPr lang="en-US" sz="1200" kern="1200" dirty="0" smtClean="0">
-                <a:solidFill>
-                  <a:schemeClr val="tx1"/>
-                </a:solidFill>
-                <a:latin typeface="+mn-lt"/>
-                <a:ea typeface="+mn-ea"/>
-                <a:cs typeface="+mn-cs"/>
-              </a:rPr>
+              <a:rPr lang="en-US" sz="1300" dirty="0" smtClean="0"/>
               <a:t> 12ms </a:t>
             </a:r>
             <a:r>
-              <a:rPr lang="en-US" sz="1200" kern="1200" dirty="0" err="1" smtClean="0">
-                <a:solidFill>
-                  <a:schemeClr val="tx1"/>
-                </a:solidFill>
-                <a:latin typeface="+mn-lt"/>
-                <a:ea typeface="+mn-ea"/>
-                <a:cs typeface="+mn-cs"/>
-              </a:rPr>
+              <a:rPr lang="en-US" sz="1300" dirty="0" err="1" smtClean="0"/>
               <a:t>sein</a:t>
             </a:r>
             <a:r>
-              <a:rPr lang="en-US" sz="1200" kern="1200" dirty="0" smtClean="0">
-                <a:solidFill>
-                  <a:schemeClr val="tx1"/>
-                </a:solidFill>
-                <a:latin typeface="+mn-lt"/>
-                <a:ea typeface="+mn-ea"/>
-                <a:cs typeface="+mn-cs"/>
-              </a:rPr>
+              <a:rPr lang="en-US" sz="1300" dirty="0" smtClean="0"/>
               <a:t>. </a:t>
             </a:r>
             <a:r>
-              <a:rPr lang="en-US" sz="1200" kern="1200" dirty="0" err="1" smtClean="0">
-                <a:solidFill>
-                  <a:schemeClr val="tx1"/>
-                </a:solidFill>
-                <a:latin typeface="+mn-lt"/>
-                <a:ea typeface="+mn-ea"/>
-                <a:cs typeface="+mn-cs"/>
-              </a:rPr>
+              <a:rPr lang="en-US" sz="1300" dirty="0" err="1" smtClean="0"/>
               <a:t>Verzögerungen</a:t>
             </a:r>
             <a:r>
-              <a:rPr lang="en-US" sz="1200" kern="1200" dirty="0" smtClean="0">
-                <a:solidFill>
-                  <a:schemeClr val="tx1"/>
-                </a:solidFill>
-                <a:latin typeface="+mn-lt"/>
-                <a:ea typeface="+mn-ea"/>
-                <a:cs typeface="+mn-cs"/>
-              </a:rPr>
+              <a:rPr lang="en-US" sz="1300" dirty="0" smtClean="0"/>
               <a:t> </a:t>
             </a:r>
             <a:r>
-              <a:rPr lang="en-US" sz="1200" kern="1200" dirty="0" err="1" smtClean="0">
-                <a:solidFill>
-                  <a:schemeClr val="tx1"/>
-                </a:solidFill>
-                <a:latin typeface="+mn-lt"/>
-                <a:ea typeface="+mn-ea"/>
-                <a:cs typeface="+mn-cs"/>
-              </a:rPr>
+              <a:rPr lang="en-US" sz="1300" dirty="0" err="1" smtClean="0"/>
               <a:t>darunter</a:t>
             </a:r>
             <a:r>
-              <a:rPr lang="en-US" sz="1200" kern="1200" dirty="0" smtClean="0">
-                <a:solidFill>
-                  <a:schemeClr val="tx1"/>
-                </a:solidFill>
-                <a:latin typeface="+mn-lt"/>
-                <a:ea typeface="+mn-ea"/>
-                <a:cs typeface="+mn-cs"/>
-              </a:rPr>
+              <a:rPr lang="en-US" sz="1300" dirty="0" smtClean="0"/>
               <a:t> </a:t>
             </a:r>
             <a:r>
-              <a:rPr lang="en-US" sz="1200" kern="1200" dirty="0" err="1" smtClean="0">
-                <a:solidFill>
-                  <a:schemeClr val="tx1"/>
-                </a:solidFill>
-                <a:latin typeface="+mn-lt"/>
-                <a:ea typeface="+mn-ea"/>
-                <a:cs typeface="+mn-cs"/>
-              </a:rPr>
+              <a:rPr lang="en-US" sz="1300" dirty="0" err="1" smtClean="0"/>
               <a:t>werden</a:t>
             </a:r>
             <a:r>
-              <a:rPr lang="en-US" sz="1200" kern="1200" dirty="0" smtClean="0">
-                <a:solidFill>
-                  <a:schemeClr val="tx1"/>
-                </a:solidFill>
-                <a:latin typeface="+mn-lt"/>
-                <a:ea typeface="+mn-ea"/>
-                <a:cs typeface="+mn-cs"/>
-              </a:rPr>
+              <a:rPr lang="en-US" sz="1300" dirty="0" smtClean="0"/>
               <a:t> </a:t>
             </a:r>
             <a:r>
-              <a:rPr lang="en-US" sz="1200" kern="1200" dirty="0" err="1" smtClean="0">
-                <a:solidFill>
-                  <a:schemeClr val="tx1"/>
-                </a:solidFill>
-                <a:latin typeface="+mn-lt"/>
-                <a:ea typeface="+mn-ea"/>
-                <a:cs typeface="+mn-cs"/>
-              </a:rPr>
+              <a:rPr lang="en-US" sz="1300" dirty="0" err="1" smtClean="0"/>
               <a:t>nicht</a:t>
             </a:r>
             <a:r>
-              <a:rPr lang="en-US" sz="1200" kern="1200" dirty="0" smtClean="0">
-                <a:solidFill>
-                  <a:schemeClr val="tx1"/>
-                </a:solidFill>
-                <a:latin typeface="+mn-lt"/>
-                <a:ea typeface="+mn-ea"/>
-                <a:cs typeface="+mn-cs"/>
-              </a:rPr>
+              <a:rPr lang="en-US" sz="1300" dirty="0" smtClean="0"/>
               <a:t> </a:t>
             </a:r>
             <a:r>
-              <a:rPr lang="en-US" sz="1200" kern="1200" dirty="0" err="1" smtClean="0">
-                <a:solidFill>
-                  <a:schemeClr val="tx1"/>
-                </a:solidFill>
-                <a:latin typeface="+mn-lt"/>
-                <a:ea typeface="+mn-ea"/>
-                <a:cs typeface="+mn-cs"/>
-              </a:rPr>
+              <a:rPr lang="en-US" sz="1300" dirty="0" err="1" smtClean="0"/>
               <a:t>wahrgenommen</a:t>
             </a:r>
             <a:r>
-              <a:rPr lang="en-US" sz="1200" kern="1200" dirty="0" smtClean="0">
-                <a:solidFill>
-                  <a:schemeClr val="tx1"/>
-                </a:solidFill>
-                <a:latin typeface="+mn-lt"/>
-                <a:ea typeface="+mn-ea"/>
-                <a:cs typeface="+mn-cs"/>
-              </a:rPr>
+              <a:rPr lang="en-US" sz="1300" dirty="0" smtClean="0"/>
               <a:t>.</a:t>
             </a:r>
           </a:p>
           <a:p>
-            <a:pPr marL="0" marR="0" indent="0" algn="l" defTabSz="914400" rtl="0" eaLnBrk="1" fontAlgn="auto" latinLnBrk="0" hangingPunct="1">
-              <a:lnSpc>
-                <a:spcPct val="100000"/>
-              </a:lnSpc>
-              <a:spcBef>
-                <a:spcPts val="0"/>
-              </a:spcBef>
-              <a:spcAft>
-                <a:spcPts val="0"/>
-              </a:spcAft>
-              <a:buClrTx/>
-              <a:buSzTx/>
-              <a:buFontTx/>
-              <a:buNone/>
-              <a:tabLst/>
+            <a:pPr defTabSz="965881">
               <a:defRPr/>
             </a:pPr>
             <a:r>
@@ -1993,982 +1056,359 @@
               <a:t> - </a:t>
             </a:r>
             <a:r>
-              <a:rPr lang="en-US" sz="1200" kern="1200" dirty="0" smtClean="0">
-                <a:solidFill>
-                  <a:schemeClr val="tx1"/>
-                </a:solidFill>
-                <a:latin typeface="+mn-lt"/>
-                <a:ea typeface="+mn-ea"/>
-                <a:cs typeface="+mn-cs"/>
-              </a:rPr>
+              <a:rPr lang="en-US" sz="1300" dirty="0" smtClean="0"/>
               <a:t>Die </a:t>
             </a:r>
             <a:r>
-              <a:rPr lang="en-US" sz="1200" kern="1200" dirty="0" err="1" smtClean="0">
-                <a:solidFill>
-                  <a:schemeClr val="tx1"/>
-                </a:solidFill>
-                <a:latin typeface="+mn-lt"/>
-                <a:ea typeface="+mn-ea"/>
-                <a:cs typeface="+mn-cs"/>
-              </a:rPr>
+              <a:rPr lang="en-US" sz="1300" dirty="0" err="1" smtClean="0"/>
               <a:t>Oberfläche</a:t>
             </a:r>
             <a:r>
-              <a:rPr lang="en-US" sz="1200" kern="1200" dirty="0" smtClean="0">
-                <a:solidFill>
-                  <a:schemeClr val="tx1"/>
-                </a:solidFill>
-                <a:latin typeface="+mn-lt"/>
-                <a:ea typeface="+mn-ea"/>
-                <a:cs typeface="+mn-cs"/>
-              </a:rPr>
+              <a:rPr lang="en-US" sz="1300" dirty="0" smtClean="0"/>
               <a:t> </a:t>
             </a:r>
             <a:r>
-              <a:rPr lang="en-US" sz="1200" kern="1200" dirty="0" err="1" smtClean="0">
-                <a:solidFill>
-                  <a:schemeClr val="tx1"/>
-                </a:solidFill>
-                <a:latin typeface="+mn-lt"/>
-                <a:ea typeface="+mn-ea"/>
-                <a:cs typeface="+mn-cs"/>
-              </a:rPr>
+              <a:rPr lang="en-US" sz="1300" dirty="0" err="1" smtClean="0"/>
               <a:t>der</a:t>
             </a:r>
             <a:r>
-              <a:rPr lang="en-US" sz="1200" kern="1200" dirty="0" smtClean="0">
-                <a:solidFill>
-                  <a:schemeClr val="tx1"/>
-                </a:solidFill>
-                <a:latin typeface="+mn-lt"/>
-                <a:ea typeface="+mn-ea"/>
-                <a:cs typeface="+mn-cs"/>
-              </a:rPr>
+              <a:rPr lang="en-US" sz="1300" dirty="0" smtClean="0"/>
               <a:t> </a:t>
             </a:r>
             <a:r>
-              <a:rPr lang="en-US" sz="1200" kern="1200" dirty="0" err="1" smtClean="0">
-                <a:solidFill>
-                  <a:schemeClr val="tx1"/>
-                </a:solidFill>
-                <a:latin typeface="+mn-lt"/>
-                <a:ea typeface="+mn-ea"/>
-                <a:cs typeface="+mn-cs"/>
-              </a:rPr>
+              <a:rPr lang="en-US" sz="1300" dirty="0" err="1" smtClean="0"/>
               <a:t>Applikation</a:t>
             </a:r>
             <a:r>
-              <a:rPr lang="en-US" sz="1200" kern="1200" dirty="0" smtClean="0">
-                <a:solidFill>
-                  <a:schemeClr val="tx1"/>
-                </a:solidFill>
-                <a:latin typeface="+mn-lt"/>
-                <a:ea typeface="+mn-ea"/>
-                <a:cs typeface="+mn-cs"/>
-              </a:rPr>
+              <a:rPr lang="en-US" sz="1300" dirty="0" smtClean="0"/>
               <a:t> </a:t>
             </a:r>
             <a:r>
-              <a:rPr lang="en-US" sz="1200" kern="1200" dirty="0" err="1" smtClean="0">
-                <a:solidFill>
-                  <a:schemeClr val="tx1"/>
-                </a:solidFill>
-                <a:latin typeface="+mn-lt"/>
-                <a:ea typeface="+mn-ea"/>
-                <a:cs typeface="+mn-cs"/>
-              </a:rPr>
+              <a:rPr lang="en-US" sz="1300" dirty="0" err="1" smtClean="0"/>
               <a:t>soll</a:t>
             </a:r>
             <a:r>
-              <a:rPr lang="en-US" sz="1200" kern="1200" dirty="0" smtClean="0">
-                <a:solidFill>
-                  <a:schemeClr val="tx1"/>
-                </a:solidFill>
-                <a:latin typeface="+mn-lt"/>
-                <a:ea typeface="+mn-ea"/>
-                <a:cs typeface="+mn-cs"/>
-              </a:rPr>
+              <a:rPr lang="en-US" sz="1300" dirty="0" smtClean="0"/>
               <a:t> </a:t>
             </a:r>
             <a:r>
-              <a:rPr lang="en-US" sz="1200" kern="1200" dirty="0" err="1" smtClean="0">
-                <a:solidFill>
-                  <a:schemeClr val="tx1"/>
-                </a:solidFill>
-                <a:latin typeface="+mn-lt"/>
-                <a:ea typeface="+mn-ea"/>
-                <a:cs typeface="+mn-cs"/>
-              </a:rPr>
+              <a:rPr lang="en-US" sz="1300" dirty="0" err="1" smtClean="0"/>
               <a:t>möglichst</a:t>
             </a:r>
             <a:r>
-              <a:rPr lang="en-US" sz="1200" kern="1200" dirty="0" smtClean="0">
-                <a:solidFill>
-                  <a:schemeClr val="tx1"/>
-                </a:solidFill>
-                <a:latin typeface="+mn-lt"/>
-                <a:ea typeface="+mn-ea"/>
-                <a:cs typeface="+mn-cs"/>
-              </a:rPr>
+              <a:rPr lang="en-US" sz="1300" dirty="0" smtClean="0"/>
               <a:t> </a:t>
             </a:r>
             <a:r>
-              <a:rPr lang="en-US" sz="1200" kern="1200" dirty="0" err="1" smtClean="0">
-                <a:solidFill>
-                  <a:schemeClr val="tx1"/>
-                </a:solidFill>
-                <a:latin typeface="+mn-lt"/>
-                <a:ea typeface="+mn-ea"/>
-                <a:cs typeface="+mn-cs"/>
-              </a:rPr>
+              <a:rPr lang="en-US" sz="1300" dirty="0" err="1" smtClean="0"/>
               <a:t>klar</a:t>
             </a:r>
             <a:r>
-              <a:rPr lang="en-US" sz="1200" kern="1200" dirty="0" smtClean="0">
-                <a:solidFill>
-                  <a:schemeClr val="tx1"/>
-                </a:solidFill>
-                <a:latin typeface="+mn-lt"/>
-                <a:ea typeface="+mn-ea"/>
-                <a:cs typeface="+mn-cs"/>
-              </a:rPr>
+              <a:rPr lang="en-US" sz="1300" dirty="0" smtClean="0"/>
               <a:t> </a:t>
             </a:r>
             <a:r>
-              <a:rPr lang="en-US" sz="1200" kern="1200" dirty="0" err="1" smtClean="0">
-                <a:solidFill>
-                  <a:schemeClr val="tx1"/>
-                </a:solidFill>
-                <a:latin typeface="+mn-lt"/>
-                <a:ea typeface="+mn-ea"/>
-                <a:cs typeface="+mn-cs"/>
-              </a:rPr>
+              <a:rPr lang="en-US" sz="1300" dirty="0" err="1" smtClean="0"/>
               <a:t>Strukturiert</a:t>
             </a:r>
             <a:r>
-              <a:rPr lang="en-US" sz="1200" kern="1200" dirty="0" smtClean="0">
-                <a:solidFill>
-                  <a:schemeClr val="tx1"/>
-                </a:solidFill>
-                <a:latin typeface="+mn-lt"/>
-                <a:ea typeface="+mn-ea"/>
-                <a:cs typeface="+mn-cs"/>
-              </a:rPr>
+              <a:rPr lang="en-US" sz="1300" dirty="0" smtClean="0"/>
               <a:t> </a:t>
             </a:r>
             <a:r>
-              <a:rPr lang="en-US" sz="1200" kern="1200" dirty="0" err="1" smtClean="0">
-                <a:solidFill>
-                  <a:schemeClr val="tx1"/>
-                </a:solidFill>
-                <a:latin typeface="+mn-lt"/>
-                <a:ea typeface="+mn-ea"/>
-                <a:cs typeface="+mn-cs"/>
-              </a:rPr>
+              <a:rPr lang="en-US" sz="1300" dirty="0" err="1" smtClean="0"/>
               <a:t>sein</a:t>
             </a:r>
             <a:r>
-              <a:rPr lang="en-US" sz="1200" kern="1200" dirty="0" smtClean="0">
-                <a:solidFill>
-                  <a:schemeClr val="tx1"/>
-                </a:solidFill>
-                <a:latin typeface="+mn-lt"/>
-                <a:ea typeface="+mn-ea"/>
-                <a:cs typeface="+mn-cs"/>
-              </a:rPr>
+              <a:rPr lang="en-US" sz="1300" dirty="0" smtClean="0"/>
               <a:t> um </a:t>
             </a:r>
             <a:r>
-              <a:rPr lang="en-US" sz="1200" kern="1200" dirty="0" err="1" smtClean="0">
-                <a:solidFill>
-                  <a:schemeClr val="tx1"/>
-                </a:solidFill>
-                <a:latin typeface="+mn-lt"/>
-                <a:ea typeface="+mn-ea"/>
-                <a:cs typeface="+mn-cs"/>
-              </a:rPr>
+              <a:rPr lang="en-US" sz="1300" dirty="0" err="1" smtClean="0"/>
               <a:t>eine</a:t>
             </a:r>
             <a:r>
-              <a:rPr lang="en-US" sz="1200" kern="1200" dirty="0" smtClean="0">
-                <a:solidFill>
-                  <a:schemeClr val="tx1"/>
-                </a:solidFill>
-                <a:latin typeface="+mn-lt"/>
-                <a:ea typeface="+mn-ea"/>
-                <a:cs typeface="+mn-cs"/>
-              </a:rPr>
+              <a:rPr lang="en-US" sz="1300" dirty="0" smtClean="0"/>
               <a:t> </a:t>
             </a:r>
             <a:r>
-              <a:rPr lang="en-US" sz="1200" kern="1200" dirty="0" err="1" smtClean="0">
-                <a:solidFill>
-                  <a:schemeClr val="tx1"/>
-                </a:solidFill>
-                <a:latin typeface="+mn-lt"/>
-                <a:ea typeface="+mn-ea"/>
-                <a:cs typeface="+mn-cs"/>
-              </a:rPr>
+              <a:rPr lang="en-US" sz="1300" dirty="0" err="1" smtClean="0"/>
               <a:t>einfache</a:t>
             </a:r>
             <a:r>
-              <a:rPr lang="en-US" sz="1200" kern="1200" dirty="0" smtClean="0">
-                <a:solidFill>
-                  <a:schemeClr val="tx1"/>
-                </a:solidFill>
-                <a:latin typeface="+mn-lt"/>
-                <a:ea typeface="+mn-ea"/>
-                <a:cs typeface="+mn-cs"/>
-              </a:rPr>
+              <a:rPr lang="en-US" sz="1300" dirty="0" smtClean="0"/>
               <a:t> </a:t>
             </a:r>
             <a:r>
-              <a:rPr lang="en-US" sz="1200" kern="1200" dirty="0" err="1" smtClean="0">
-                <a:solidFill>
-                  <a:schemeClr val="tx1"/>
-                </a:solidFill>
-                <a:latin typeface="+mn-lt"/>
-                <a:ea typeface="+mn-ea"/>
-                <a:cs typeface="+mn-cs"/>
-              </a:rPr>
+              <a:rPr lang="en-US" sz="1300" dirty="0" err="1" smtClean="0"/>
               <a:t>Bedienung</a:t>
             </a:r>
             <a:r>
-              <a:rPr lang="en-US" sz="1200" kern="1200" dirty="0" smtClean="0">
-                <a:solidFill>
-                  <a:schemeClr val="tx1"/>
-                </a:solidFill>
-                <a:latin typeface="+mn-lt"/>
-                <a:ea typeface="+mn-ea"/>
-                <a:cs typeface="+mn-cs"/>
-              </a:rPr>
+              <a:rPr lang="en-US" sz="1300" dirty="0" smtClean="0"/>
               <a:t> </a:t>
             </a:r>
             <a:r>
-              <a:rPr lang="en-US" sz="1200" kern="1200" dirty="0" err="1" smtClean="0">
-                <a:solidFill>
-                  <a:schemeClr val="tx1"/>
-                </a:solidFill>
-                <a:latin typeface="+mn-lt"/>
-                <a:ea typeface="+mn-ea"/>
-                <a:cs typeface="+mn-cs"/>
-              </a:rPr>
+              <a:rPr lang="en-US" sz="1300" dirty="0" err="1" smtClean="0"/>
               <a:t>zu</a:t>
             </a:r>
             <a:r>
-              <a:rPr lang="en-US" sz="1200" kern="1200" dirty="0" smtClean="0">
-                <a:solidFill>
-                  <a:schemeClr val="tx1"/>
-                </a:solidFill>
-                <a:latin typeface="+mn-lt"/>
-                <a:ea typeface="+mn-ea"/>
-                <a:cs typeface="+mn-cs"/>
-              </a:rPr>
+              <a:rPr lang="en-US" sz="1300" dirty="0" smtClean="0"/>
               <a:t> </a:t>
             </a:r>
             <a:r>
-              <a:rPr lang="en-US" sz="1200" kern="1200" dirty="0" err="1" smtClean="0">
-                <a:solidFill>
-                  <a:schemeClr val="tx1"/>
-                </a:solidFill>
-                <a:latin typeface="+mn-lt"/>
-                <a:ea typeface="+mn-ea"/>
-                <a:cs typeface="+mn-cs"/>
-              </a:rPr>
+              <a:rPr lang="en-US" sz="1300" dirty="0" err="1" smtClean="0"/>
               <a:t>gewährleisten</a:t>
             </a:r>
             <a:r>
-              <a:rPr lang="en-US" sz="1200" kern="1200" dirty="0" smtClean="0">
-                <a:solidFill>
-                  <a:schemeClr val="tx1"/>
-                </a:solidFill>
-                <a:latin typeface="+mn-lt"/>
-                <a:ea typeface="+mn-ea"/>
-                <a:cs typeface="+mn-cs"/>
-              </a:rPr>
+              <a:rPr lang="en-US" sz="1300" dirty="0" smtClean="0"/>
               <a:t>. </a:t>
             </a:r>
             <a:r>
-              <a:rPr lang="en-US" sz="1200" kern="1200" dirty="0" err="1" smtClean="0">
-                <a:solidFill>
-                  <a:schemeClr val="tx1"/>
-                </a:solidFill>
-                <a:latin typeface="+mn-lt"/>
-                <a:ea typeface="+mn-ea"/>
-                <a:cs typeface="+mn-cs"/>
-              </a:rPr>
+              <a:rPr lang="en-US" sz="1300" dirty="0" err="1" smtClean="0"/>
               <a:t>Ebenfalls</a:t>
             </a:r>
             <a:r>
-              <a:rPr lang="en-US" sz="1200" kern="1200" dirty="0" smtClean="0">
-                <a:solidFill>
-                  <a:schemeClr val="tx1"/>
-                </a:solidFill>
-                <a:latin typeface="+mn-lt"/>
-                <a:ea typeface="+mn-ea"/>
-                <a:cs typeface="+mn-cs"/>
-              </a:rPr>
+              <a:rPr lang="en-US" sz="1300" dirty="0" smtClean="0"/>
               <a:t> </a:t>
             </a:r>
             <a:r>
-              <a:rPr lang="en-US" sz="1200" kern="1200" dirty="0" err="1" smtClean="0">
-                <a:solidFill>
-                  <a:schemeClr val="tx1"/>
-                </a:solidFill>
-                <a:latin typeface="+mn-lt"/>
-                <a:ea typeface="+mn-ea"/>
-                <a:cs typeface="+mn-cs"/>
-              </a:rPr>
+              <a:rPr lang="en-US" sz="1300" dirty="0" err="1" smtClean="0"/>
               <a:t>aus</a:t>
             </a:r>
             <a:r>
-              <a:rPr lang="en-US" sz="1200" kern="1200" dirty="0" smtClean="0">
-                <a:solidFill>
-                  <a:schemeClr val="tx1"/>
-                </a:solidFill>
-                <a:latin typeface="+mn-lt"/>
-                <a:ea typeface="+mn-ea"/>
-                <a:cs typeface="+mn-cs"/>
-              </a:rPr>
+              <a:rPr lang="en-US" sz="1300" dirty="0" smtClean="0"/>
               <a:t> </a:t>
             </a:r>
             <a:r>
-              <a:rPr lang="en-US" sz="1200" kern="1200" dirty="0" err="1" smtClean="0">
-                <a:solidFill>
-                  <a:schemeClr val="tx1"/>
-                </a:solidFill>
-                <a:latin typeface="+mn-lt"/>
-                <a:ea typeface="+mn-ea"/>
-                <a:cs typeface="+mn-cs"/>
-              </a:rPr>
+              <a:rPr lang="en-US" sz="1300" dirty="0" err="1" smtClean="0"/>
               <a:t>diesem</a:t>
             </a:r>
             <a:r>
-              <a:rPr lang="en-US" sz="1200" kern="1200" dirty="0" smtClean="0">
-                <a:solidFill>
-                  <a:schemeClr val="tx1"/>
-                </a:solidFill>
-                <a:latin typeface="+mn-lt"/>
-                <a:ea typeface="+mn-ea"/>
-                <a:cs typeface="+mn-cs"/>
-              </a:rPr>
+              <a:rPr lang="en-US" sz="1300" dirty="0" smtClean="0"/>
               <a:t> </a:t>
             </a:r>
             <a:r>
-              <a:rPr lang="en-US" sz="1200" kern="1200" dirty="0" err="1" smtClean="0">
-                <a:solidFill>
-                  <a:schemeClr val="tx1"/>
-                </a:solidFill>
-                <a:latin typeface="+mn-lt"/>
-                <a:ea typeface="+mn-ea"/>
-                <a:cs typeface="+mn-cs"/>
-              </a:rPr>
+              <a:rPr lang="en-US" sz="1300" dirty="0" err="1" smtClean="0"/>
               <a:t>Grund</a:t>
             </a:r>
             <a:r>
-              <a:rPr lang="en-US" sz="1200" kern="1200" dirty="0" smtClean="0">
-                <a:solidFill>
-                  <a:schemeClr val="tx1"/>
-                </a:solidFill>
-                <a:latin typeface="+mn-lt"/>
-                <a:ea typeface="+mn-ea"/>
-                <a:cs typeface="+mn-cs"/>
-              </a:rPr>
+              <a:rPr lang="en-US" sz="1300" dirty="0" smtClean="0"/>
               <a:t> </a:t>
             </a:r>
             <a:r>
-              <a:rPr lang="en-US" sz="1200" kern="1200" dirty="0" err="1" smtClean="0">
-                <a:solidFill>
-                  <a:schemeClr val="tx1"/>
-                </a:solidFill>
-                <a:latin typeface="+mn-lt"/>
-                <a:ea typeface="+mn-ea"/>
-                <a:cs typeface="+mn-cs"/>
-              </a:rPr>
+              <a:rPr lang="en-US" sz="1300" dirty="0" err="1" smtClean="0"/>
               <a:t>soll</a:t>
             </a:r>
             <a:r>
-              <a:rPr lang="en-US" sz="1200" kern="1200" dirty="0" smtClean="0">
-                <a:solidFill>
-                  <a:schemeClr val="tx1"/>
-                </a:solidFill>
-                <a:latin typeface="+mn-lt"/>
-                <a:ea typeface="+mn-ea"/>
-                <a:cs typeface="+mn-cs"/>
-              </a:rPr>
+              <a:rPr lang="en-US" sz="1300" dirty="0" smtClean="0"/>
               <a:t> </a:t>
             </a:r>
             <a:r>
-              <a:rPr lang="en-US" sz="1200" kern="1200" dirty="0" err="1" smtClean="0">
-                <a:solidFill>
-                  <a:schemeClr val="tx1"/>
-                </a:solidFill>
-                <a:latin typeface="+mn-lt"/>
-                <a:ea typeface="+mn-ea"/>
-                <a:cs typeface="+mn-cs"/>
-              </a:rPr>
+              <a:rPr lang="en-US" sz="1300" dirty="0" err="1" smtClean="0"/>
               <a:t>es</a:t>
             </a:r>
             <a:r>
-              <a:rPr lang="en-US" sz="1200" kern="1200" dirty="0" smtClean="0">
-                <a:solidFill>
-                  <a:schemeClr val="tx1"/>
-                </a:solidFill>
-                <a:latin typeface="+mn-lt"/>
-                <a:ea typeface="+mn-ea"/>
-                <a:cs typeface="+mn-cs"/>
-              </a:rPr>
+              <a:rPr lang="en-US" sz="1300" dirty="0" smtClean="0"/>
               <a:t> </a:t>
             </a:r>
             <a:r>
-              <a:rPr lang="en-US" sz="1200" kern="1200" dirty="0" err="1" smtClean="0">
-                <a:solidFill>
-                  <a:schemeClr val="tx1"/>
-                </a:solidFill>
-                <a:latin typeface="+mn-lt"/>
-                <a:ea typeface="+mn-ea"/>
-                <a:cs typeface="+mn-cs"/>
-              </a:rPr>
+              <a:rPr lang="en-US" sz="1300" dirty="0" err="1" smtClean="0"/>
               <a:t>auch</a:t>
             </a:r>
             <a:r>
-              <a:rPr lang="en-US" sz="1200" kern="1200" dirty="0" smtClean="0">
-                <a:solidFill>
-                  <a:schemeClr val="tx1"/>
-                </a:solidFill>
-                <a:latin typeface="+mn-lt"/>
-                <a:ea typeface="+mn-ea"/>
-                <a:cs typeface="+mn-cs"/>
-              </a:rPr>
+              <a:rPr lang="en-US" sz="1300" dirty="0" smtClean="0"/>
               <a:t> </a:t>
             </a:r>
             <a:r>
-              <a:rPr lang="en-US" sz="1200" kern="1200" dirty="0" err="1" smtClean="0">
-                <a:solidFill>
-                  <a:schemeClr val="tx1"/>
-                </a:solidFill>
-                <a:latin typeface="+mn-lt"/>
-                <a:ea typeface="+mn-ea"/>
-                <a:cs typeface="+mn-cs"/>
-              </a:rPr>
+              <a:rPr lang="en-US" sz="1300" dirty="0" err="1" smtClean="0"/>
               <a:t>eine</a:t>
             </a:r>
             <a:r>
-              <a:rPr lang="en-US" sz="1200" kern="1200" dirty="0" smtClean="0">
-                <a:solidFill>
-                  <a:schemeClr val="tx1"/>
-                </a:solidFill>
-                <a:latin typeface="+mn-lt"/>
-                <a:ea typeface="+mn-ea"/>
-                <a:cs typeface="+mn-cs"/>
-              </a:rPr>
+              <a:rPr lang="en-US" sz="1300" dirty="0" smtClean="0"/>
               <a:t> </a:t>
             </a:r>
             <a:r>
-              <a:rPr lang="en-US" sz="1200" kern="1200" dirty="0" err="1" smtClean="0">
-                <a:solidFill>
-                  <a:schemeClr val="tx1"/>
-                </a:solidFill>
-                <a:latin typeface="+mn-lt"/>
-                <a:ea typeface="+mn-ea"/>
-                <a:cs typeface="+mn-cs"/>
-              </a:rPr>
+              <a:rPr lang="en-US" sz="1300" dirty="0" err="1" smtClean="0"/>
               <a:t>Oberfläche</a:t>
             </a:r>
             <a:r>
-              <a:rPr lang="en-US" sz="1200" kern="1200" dirty="0" smtClean="0">
-                <a:solidFill>
-                  <a:schemeClr val="tx1"/>
-                </a:solidFill>
-                <a:latin typeface="+mn-lt"/>
-                <a:ea typeface="+mn-ea"/>
-                <a:cs typeface="+mn-cs"/>
-              </a:rPr>
+              <a:rPr lang="en-US" sz="1300" dirty="0" smtClean="0"/>
               <a:t> </a:t>
             </a:r>
             <a:r>
-              <a:rPr lang="en-US" sz="1200" kern="1200" dirty="0" err="1" smtClean="0">
-                <a:solidFill>
-                  <a:schemeClr val="tx1"/>
-                </a:solidFill>
-                <a:latin typeface="+mn-lt"/>
-                <a:ea typeface="+mn-ea"/>
-                <a:cs typeface="+mn-cs"/>
-              </a:rPr>
+              <a:rPr lang="en-US" sz="1300" dirty="0" err="1" smtClean="0"/>
               <a:t>geben</a:t>
             </a:r>
             <a:r>
-              <a:rPr lang="en-US" sz="1200" kern="1200" dirty="0" smtClean="0">
-                <a:solidFill>
-                  <a:schemeClr val="tx1"/>
-                </a:solidFill>
-                <a:latin typeface="+mn-lt"/>
-                <a:ea typeface="+mn-ea"/>
-                <a:cs typeface="+mn-cs"/>
-              </a:rPr>
+              <a:rPr lang="en-US" sz="1300" dirty="0" smtClean="0"/>
               <a:t>, die </a:t>
             </a:r>
             <a:r>
-              <a:rPr lang="en-US" sz="1200" kern="1200" dirty="0" err="1" smtClean="0">
-                <a:solidFill>
-                  <a:schemeClr val="tx1"/>
-                </a:solidFill>
-                <a:latin typeface="+mn-lt"/>
-                <a:ea typeface="+mn-ea"/>
-                <a:cs typeface="+mn-cs"/>
-              </a:rPr>
+              <a:rPr lang="en-US" sz="1300" dirty="0" err="1" smtClean="0"/>
               <a:t>nur</a:t>
             </a:r>
             <a:r>
-              <a:rPr lang="en-US" sz="1200" kern="1200" dirty="0" smtClean="0">
-                <a:solidFill>
-                  <a:schemeClr val="tx1"/>
-                </a:solidFill>
-                <a:latin typeface="+mn-lt"/>
-                <a:ea typeface="+mn-ea"/>
-                <a:cs typeface="+mn-cs"/>
-              </a:rPr>
+              <a:rPr lang="en-US" sz="1300" dirty="0" smtClean="0"/>
               <a:t> die </a:t>
             </a:r>
             <a:r>
-              <a:rPr lang="en-US" sz="1200" kern="1200" dirty="0" err="1" smtClean="0">
-                <a:solidFill>
-                  <a:schemeClr val="tx1"/>
-                </a:solidFill>
-                <a:latin typeface="+mn-lt"/>
-                <a:ea typeface="+mn-ea"/>
-                <a:cs typeface="+mn-cs"/>
-              </a:rPr>
+              <a:rPr lang="en-US" sz="1300" dirty="0" err="1" smtClean="0"/>
               <a:t>Grundfunktionen</a:t>
             </a:r>
             <a:r>
-              <a:rPr lang="en-US" sz="1200" kern="1200" dirty="0" smtClean="0">
-                <a:solidFill>
-                  <a:schemeClr val="tx1"/>
-                </a:solidFill>
-                <a:latin typeface="+mn-lt"/>
-                <a:ea typeface="+mn-ea"/>
-                <a:cs typeface="+mn-cs"/>
-              </a:rPr>
+              <a:rPr lang="en-US" sz="1300" dirty="0" smtClean="0"/>
               <a:t> </a:t>
             </a:r>
             <a:r>
-              <a:rPr lang="en-US" sz="1200" kern="1200" dirty="0" err="1" smtClean="0">
-                <a:solidFill>
-                  <a:schemeClr val="tx1"/>
-                </a:solidFill>
-                <a:latin typeface="+mn-lt"/>
-                <a:ea typeface="+mn-ea"/>
-                <a:cs typeface="+mn-cs"/>
-              </a:rPr>
+              <a:rPr lang="en-US" sz="1300" dirty="0" err="1" smtClean="0"/>
               <a:t>beinhaltet</a:t>
             </a:r>
             <a:r>
-              <a:rPr lang="en-US" sz="1200" kern="1200" dirty="0" smtClean="0">
-                <a:solidFill>
-                  <a:schemeClr val="tx1"/>
-                </a:solidFill>
-                <a:latin typeface="+mn-lt"/>
-                <a:ea typeface="+mn-ea"/>
-                <a:cs typeface="+mn-cs"/>
-              </a:rPr>
+              <a:rPr lang="en-US" sz="1300" dirty="0" smtClean="0"/>
               <a:t>. So </a:t>
             </a:r>
             <a:r>
-              <a:rPr lang="en-US" sz="1200" kern="1200" dirty="0" err="1" smtClean="0">
-                <a:solidFill>
-                  <a:schemeClr val="tx1"/>
-                </a:solidFill>
-                <a:latin typeface="+mn-lt"/>
-                <a:ea typeface="+mn-ea"/>
-                <a:cs typeface="+mn-cs"/>
-              </a:rPr>
+              <a:rPr lang="en-US" sz="1300" dirty="0" err="1" smtClean="0"/>
               <a:t>werden</a:t>
             </a:r>
             <a:r>
-              <a:rPr lang="en-US" sz="1200" kern="1200" dirty="0" smtClean="0">
-                <a:solidFill>
-                  <a:schemeClr val="tx1"/>
-                </a:solidFill>
-                <a:latin typeface="+mn-lt"/>
-                <a:ea typeface="+mn-ea"/>
-                <a:cs typeface="+mn-cs"/>
-              </a:rPr>
+              <a:rPr lang="en-US" sz="1300" dirty="0" smtClean="0"/>
               <a:t> </a:t>
             </a:r>
             <a:r>
-              <a:rPr lang="en-US" sz="1200" kern="1200" dirty="0" err="1" smtClean="0">
-                <a:solidFill>
-                  <a:schemeClr val="tx1"/>
-                </a:solidFill>
-                <a:latin typeface="+mn-lt"/>
-                <a:ea typeface="+mn-ea"/>
-                <a:cs typeface="+mn-cs"/>
-              </a:rPr>
+              <a:rPr lang="en-US" sz="1300" dirty="0" err="1" smtClean="0"/>
               <a:t>unerfahrene</a:t>
             </a:r>
             <a:r>
-              <a:rPr lang="en-US" sz="1200" kern="1200" dirty="0" smtClean="0">
-                <a:solidFill>
-                  <a:schemeClr val="tx1"/>
-                </a:solidFill>
-                <a:latin typeface="+mn-lt"/>
-                <a:ea typeface="+mn-ea"/>
-                <a:cs typeface="+mn-cs"/>
-              </a:rPr>
+              <a:rPr lang="en-US" sz="1300" dirty="0" smtClean="0"/>
               <a:t> </a:t>
             </a:r>
             <a:r>
-              <a:rPr lang="en-US" sz="1200" kern="1200" dirty="0" err="1" smtClean="0">
-                <a:solidFill>
-                  <a:schemeClr val="tx1"/>
-                </a:solidFill>
-                <a:latin typeface="+mn-lt"/>
-                <a:ea typeface="+mn-ea"/>
-                <a:cs typeface="+mn-cs"/>
-              </a:rPr>
+              <a:rPr lang="en-US" sz="1300" dirty="0" err="1" smtClean="0"/>
               <a:t>Nutzer</a:t>
             </a:r>
             <a:r>
-              <a:rPr lang="en-US" sz="1200" kern="1200" dirty="0" smtClean="0">
-                <a:solidFill>
-                  <a:schemeClr val="tx1"/>
-                </a:solidFill>
-                <a:latin typeface="+mn-lt"/>
-                <a:ea typeface="+mn-ea"/>
-                <a:cs typeface="+mn-cs"/>
-              </a:rPr>
+              <a:rPr lang="en-US" sz="1300" dirty="0" smtClean="0"/>
               <a:t> </a:t>
             </a:r>
             <a:r>
-              <a:rPr lang="en-US" sz="1200" kern="1200" dirty="0" err="1" smtClean="0">
-                <a:solidFill>
-                  <a:schemeClr val="tx1"/>
-                </a:solidFill>
-                <a:latin typeface="+mn-lt"/>
-                <a:ea typeface="+mn-ea"/>
-                <a:cs typeface="+mn-cs"/>
-              </a:rPr>
+              <a:rPr lang="en-US" sz="1300" dirty="0" err="1" smtClean="0"/>
               <a:t>nicht</a:t>
             </a:r>
             <a:r>
-              <a:rPr lang="en-US" sz="1200" kern="1200" dirty="0" smtClean="0">
-                <a:solidFill>
-                  <a:schemeClr val="tx1"/>
-                </a:solidFill>
-                <a:latin typeface="+mn-lt"/>
-                <a:ea typeface="+mn-ea"/>
-                <a:cs typeface="+mn-cs"/>
-              </a:rPr>
+              <a:rPr lang="en-US" sz="1300" dirty="0" smtClean="0"/>
               <a:t> von </a:t>
             </a:r>
             <a:r>
-              <a:rPr lang="en-US" sz="1200" kern="1200" dirty="0" err="1" smtClean="0">
-                <a:solidFill>
-                  <a:schemeClr val="tx1"/>
-                </a:solidFill>
-                <a:latin typeface="+mn-lt"/>
-                <a:ea typeface="+mn-ea"/>
-                <a:cs typeface="+mn-cs"/>
-              </a:rPr>
+              <a:rPr lang="en-US" sz="1300" dirty="0" err="1" smtClean="0"/>
               <a:t>der</a:t>
             </a:r>
             <a:r>
-              <a:rPr lang="en-US" sz="1200" kern="1200" dirty="0" smtClean="0">
-                <a:solidFill>
-                  <a:schemeClr val="tx1"/>
-                </a:solidFill>
-                <a:latin typeface="+mn-lt"/>
-                <a:ea typeface="+mn-ea"/>
-                <a:cs typeface="+mn-cs"/>
-              </a:rPr>
+              <a:rPr lang="en-US" sz="1300" dirty="0" smtClean="0"/>
               <a:t> </a:t>
             </a:r>
             <a:r>
-              <a:rPr lang="en-US" sz="1200" kern="1200" dirty="0" err="1" smtClean="0">
-                <a:solidFill>
-                  <a:schemeClr val="tx1"/>
-                </a:solidFill>
-                <a:latin typeface="+mn-lt"/>
-                <a:ea typeface="+mn-ea"/>
-                <a:cs typeface="+mn-cs"/>
-              </a:rPr>
+              <a:rPr lang="en-US" sz="1300" dirty="0" err="1" smtClean="0"/>
               <a:t>Nutzung</a:t>
             </a:r>
             <a:r>
-              <a:rPr lang="en-US" sz="1200" kern="1200" dirty="0" smtClean="0">
-                <a:solidFill>
-                  <a:schemeClr val="tx1"/>
-                </a:solidFill>
-                <a:latin typeface="+mn-lt"/>
-                <a:ea typeface="+mn-ea"/>
-                <a:cs typeface="+mn-cs"/>
-              </a:rPr>
+              <a:rPr lang="en-US" sz="1300" dirty="0" smtClean="0"/>
               <a:t> </a:t>
             </a:r>
             <a:r>
-              <a:rPr lang="en-US" sz="1200" kern="1200" dirty="0" err="1" smtClean="0">
-                <a:solidFill>
-                  <a:schemeClr val="tx1"/>
-                </a:solidFill>
-                <a:latin typeface="+mn-lt"/>
-                <a:ea typeface="+mn-ea"/>
-                <a:cs typeface="+mn-cs"/>
-              </a:rPr>
+              <a:rPr lang="en-US" sz="1300" dirty="0" err="1" smtClean="0"/>
               <a:t>abgeschreckt</a:t>
             </a:r>
             <a:r>
-              <a:rPr lang="en-US" sz="1200" kern="1200" dirty="0" smtClean="0">
-                <a:solidFill>
-                  <a:schemeClr val="tx1"/>
-                </a:solidFill>
-                <a:latin typeface="+mn-lt"/>
-                <a:ea typeface="+mn-ea"/>
-                <a:cs typeface="+mn-cs"/>
-              </a:rPr>
+              <a:rPr lang="en-US" sz="1300" dirty="0" smtClean="0"/>
               <a:t>. </a:t>
             </a:r>
             <a:r>
-              <a:rPr lang="en-US" sz="1200" kern="1200" dirty="0" err="1" smtClean="0">
-                <a:solidFill>
-                  <a:schemeClr val="tx1"/>
-                </a:solidFill>
-                <a:latin typeface="+mn-lt"/>
-                <a:ea typeface="+mn-ea"/>
-                <a:cs typeface="+mn-cs"/>
-              </a:rPr>
+              <a:rPr lang="en-US" sz="1300" dirty="0" err="1" smtClean="0"/>
               <a:t>Welche</a:t>
             </a:r>
             <a:r>
-              <a:rPr lang="en-US" sz="1200" kern="1200" dirty="0" smtClean="0">
-                <a:solidFill>
-                  <a:schemeClr val="tx1"/>
-                </a:solidFill>
-                <a:latin typeface="+mn-lt"/>
-                <a:ea typeface="+mn-ea"/>
-                <a:cs typeface="+mn-cs"/>
-              </a:rPr>
+              <a:rPr lang="en-US" sz="1300" dirty="0" smtClean="0"/>
               <a:t> </a:t>
             </a:r>
             <a:r>
-              <a:rPr lang="en-US" sz="1200" kern="1200" dirty="0" err="1" smtClean="0">
-                <a:solidFill>
-                  <a:schemeClr val="tx1"/>
-                </a:solidFill>
-                <a:latin typeface="+mn-lt"/>
-                <a:ea typeface="+mn-ea"/>
-                <a:cs typeface="+mn-cs"/>
-              </a:rPr>
+              <a:rPr lang="en-US" sz="1300" dirty="0" err="1" smtClean="0"/>
               <a:t>Funktionen</a:t>
             </a:r>
             <a:r>
-              <a:rPr lang="en-US" sz="1200" kern="1200" dirty="0" smtClean="0">
-                <a:solidFill>
-                  <a:schemeClr val="tx1"/>
-                </a:solidFill>
-                <a:latin typeface="+mn-lt"/>
-                <a:ea typeface="+mn-ea"/>
-                <a:cs typeface="+mn-cs"/>
-              </a:rPr>
+              <a:rPr lang="en-US" sz="1300" dirty="0" smtClean="0"/>
               <a:t> </a:t>
             </a:r>
             <a:r>
-              <a:rPr lang="en-US" sz="1200" kern="1200" dirty="0" err="1" smtClean="0">
-                <a:solidFill>
-                  <a:schemeClr val="tx1"/>
-                </a:solidFill>
-                <a:latin typeface="+mn-lt"/>
-                <a:ea typeface="+mn-ea"/>
-                <a:cs typeface="+mn-cs"/>
-              </a:rPr>
+              <a:rPr lang="en-US" sz="1300" dirty="0" err="1" smtClean="0"/>
               <a:t>zu</a:t>
             </a:r>
             <a:r>
-              <a:rPr lang="en-US" sz="1200" kern="1200" dirty="0" smtClean="0">
-                <a:solidFill>
-                  <a:schemeClr val="tx1"/>
-                </a:solidFill>
-                <a:latin typeface="+mn-lt"/>
-                <a:ea typeface="+mn-ea"/>
-                <a:cs typeface="+mn-cs"/>
-              </a:rPr>
+              <a:rPr lang="en-US" sz="1300" dirty="0" smtClean="0"/>
               <a:t> den </a:t>
             </a:r>
             <a:r>
-              <a:rPr lang="en-US" sz="1200" kern="1200" dirty="0" err="1" smtClean="0">
-                <a:solidFill>
-                  <a:schemeClr val="tx1"/>
-                </a:solidFill>
-                <a:latin typeface="+mn-lt"/>
-                <a:ea typeface="+mn-ea"/>
-                <a:cs typeface="+mn-cs"/>
-              </a:rPr>
+              <a:rPr lang="en-US" sz="1300" dirty="0" err="1" smtClean="0"/>
               <a:t>Grundfunktionen</a:t>
             </a:r>
             <a:r>
-              <a:rPr lang="en-US" sz="1200" kern="1200" dirty="0" smtClean="0">
-                <a:solidFill>
-                  <a:schemeClr val="tx1"/>
-                </a:solidFill>
-                <a:latin typeface="+mn-lt"/>
-                <a:ea typeface="+mn-ea"/>
-                <a:cs typeface="+mn-cs"/>
-              </a:rPr>
+              <a:rPr lang="en-US" sz="1300" dirty="0" smtClean="0"/>
               <a:t> </a:t>
             </a:r>
             <a:r>
-              <a:rPr lang="en-US" sz="1200" kern="1200" dirty="0" err="1" smtClean="0">
-                <a:solidFill>
-                  <a:schemeClr val="tx1"/>
-                </a:solidFill>
-                <a:latin typeface="+mn-lt"/>
-                <a:ea typeface="+mn-ea"/>
-                <a:cs typeface="+mn-cs"/>
-              </a:rPr>
+              <a:rPr lang="en-US" sz="1300" dirty="0" err="1" smtClean="0"/>
               <a:t>gehören</a:t>
             </a:r>
             <a:r>
-              <a:rPr lang="en-US" sz="1200" kern="1200" dirty="0" smtClean="0">
-                <a:solidFill>
-                  <a:schemeClr val="tx1"/>
-                </a:solidFill>
-                <a:latin typeface="+mn-lt"/>
-                <a:ea typeface="+mn-ea"/>
-                <a:cs typeface="+mn-cs"/>
-              </a:rPr>
+              <a:rPr lang="en-US" sz="1300" dirty="0" smtClean="0"/>
               <a:t> </a:t>
             </a:r>
             <a:r>
-              <a:rPr lang="en-US" sz="1200" kern="1200" dirty="0" err="1" smtClean="0">
-                <a:solidFill>
-                  <a:schemeClr val="tx1"/>
-                </a:solidFill>
-                <a:latin typeface="+mn-lt"/>
-                <a:ea typeface="+mn-ea"/>
-                <a:cs typeface="+mn-cs"/>
-              </a:rPr>
+              <a:rPr lang="en-US" sz="1300" dirty="0" err="1" smtClean="0"/>
               <a:t>wird</a:t>
             </a:r>
             <a:r>
-              <a:rPr lang="en-US" sz="1200" kern="1200" dirty="0" smtClean="0">
-                <a:solidFill>
-                  <a:schemeClr val="tx1"/>
-                </a:solidFill>
-                <a:latin typeface="+mn-lt"/>
-                <a:ea typeface="+mn-ea"/>
-                <a:cs typeface="+mn-cs"/>
-              </a:rPr>
+              <a:rPr lang="en-US" sz="1300" dirty="0" smtClean="0"/>
               <a:t> </a:t>
             </a:r>
             <a:r>
-              <a:rPr lang="en-US" sz="1200" kern="1200" dirty="0" err="1" smtClean="0">
-                <a:solidFill>
-                  <a:schemeClr val="tx1"/>
-                </a:solidFill>
-                <a:latin typeface="+mn-lt"/>
-                <a:ea typeface="+mn-ea"/>
-                <a:cs typeface="+mn-cs"/>
-              </a:rPr>
+              <a:rPr lang="en-US" sz="1300" dirty="0" err="1" smtClean="0"/>
               <a:t>zu</a:t>
             </a:r>
             <a:r>
-              <a:rPr lang="en-US" sz="1200" kern="1200" dirty="0" smtClean="0">
-                <a:solidFill>
-                  <a:schemeClr val="tx1"/>
-                </a:solidFill>
-                <a:latin typeface="+mn-lt"/>
-                <a:ea typeface="+mn-ea"/>
-                <a:cs typeface="+mn-cs"/>
-              </a:rPr>
+              <a:rPr lang="en-US" sz="1300" dirty="0" smtClean="0"/>
               <a:t> </a:t>
             </a:r>
             <a:r>
-              <a:rPr lang="en-US" sz="1200" kern="1200" dirty="0" err="1" smtClean="0">
-                <a:solidFill>
-                  <a:schemeClr val="tx1"/>
-                </a:solidFill>
-                <a:latin typeface="+mn-lt"/>
-                <a:ea typeface="+mn-ea"/>
-                <a:cs typeface="+mn-cs"/>
-              </a:rPr>
+              <a:rPr lang="en-US" sz="1300" dirty="0" err="1" smtClean="0"/>
               <a:t>einem</a:t>
             </a:r>
             <a:r>
-              <a:rPr lang="en-US" sz="1200" kern="1200" dirty="0" smtClean="0">
-                <a:solidFill>
-                  <a:schemeClr val="tx1"/>
-                </a:solidFill>
-                <a:latin typeface="+mn-lt"/>
-                <a:ea typeface="+mn-ea"/>
-                <a:cs typeface="+mn-cs"/>
-              </a:rPr>
+              <a:rPr lang="en-US" sz="1300" dirty="0" smtClean="0"/>
               <a:t> </a:t>
             </a:r>
             <a:r>
-              <a:rPr lang="en-US" sz="1200" kern="1200" dirty="0" err="1" smtClean="0">
-                <a:solidFill>
-                  <a:schemeClr val="tx1"/>
-                </a:solidFill>
-                <a:latin typeface="+mn-lt"/>
-                <a:ea typeface="+mn-ea"/>
-                <a:cs typeface="+mn-cs"/>
-              </a:rPr>
+              <a:rPr lang="en-US" sz="1300" dirty="0" err="1" smtClean="0"/>
               <a:t>späteren</a:t>
             </a:r>
             <a:r>
-              <a:rPr lang="en-US" sz="1200" kern="1200" dirty="0" smtClean="0">
-                <a:solidFill>
-                  <a:schemeClr val="tx1"/>
-                </a:solidFill>
-                <a:latin typeface="+mn-lt"/>
-                <a:ea typeface="+mn-ea"/>
-                <a:cs typeface="+mn-cs"/>
-              </a:rPr>
+              <a:rPr lang="en-US" sz="1300" dirty="0" smtClean="0"/>
               <a:t> </a:t>
             </a:r>
             <a:r>
-              <a:rPr lang="en-US" sz="1200" kern="1200" dirty="0" err="1" smtClean="0">
-                <a:solidFill>
-                  <a:schemeClr val="tx1"/>
-                </a:solidFill>
-                <a:latin typeface="+mn-lt"/>
-                <a:ea typeface="+mn-ea"/>
-                <a:cs typeface="+mn-cs"/>
-              </a:rPr>
+              <a:rPr lang="en-US" sz="1300" dirty="0" err="1" smtClean="0"/>
               <a:t>Zeitpunkt</a:t>
             </a:r>
             <a:r>
-              <a:rPr lang="en-US" sz="1200" kern="1200" dirty="0" smtClean="0">
-                <a:solidFill>
-                  <a:schemeClr val="tx1"/>
-                </a:solidFill>
-                <a:latin typeface="+mn-lt"/>
-                <a:ea typeface="+mn-ea"/>
-                <a:cs typeface="+mn-cs"/>
-              </a:rPr>
+              <a:rPr lang="en-US" sz="1300" dirty="0" smtClean="0"/>
               <a:t> </a:t>
             </a:r>
             <a:r>
-              <a:rPr lang="en-US" sz="1200" kern="1200" dirty="0" err="1" smtClean="0">
-                <a:solidFill>
-                  <a:schemeClr val="tx1"/>
-                </a:solidFill>
-                <a:latin typeface="+mn-lt"/>
-                <a:ea typeface="+mn-ea"/>
-                <a:cs typeface="+mn-cs"/>
-              </a:rPr>
+              <a:rPr lang="en-US" sz="1300" dirty="0" err="1" smtClean="0"/>
               <a:t>festgelegt</a:t>
             </a:r>
             <a:r>
-              <a:rPr lang="en-US" sz="1200" kern="1200" dirty="0" smtClean="0">
-                <a:solidFill>
-                  <a:schemeClr val="tx1"/>
-                </a:solidFill>
-                <a:latin typeface="+mn-lt"/>
-                <a:ea typeface="+mn-ea"/>
-                <a:cs typeface="+mn-cs"/>
-              </a:rPr>
+              <a:rPr lang="en-US" sz="1300" dirty="0" smtClean="0"/>
               <a:t>.</a:t>
             </a:r>
           </a:p>
@@ -2997,6 +1437,7 @@
           <a:p>
             <a:fld id="{32C31F88-554B-4149-96BD-47A2761C631C}" type="slidenum">
               <a:rPr lang="de-DE" smtClean="0"/>
+              <a:pPr/>
               <a:t>4</a:t>
             </a:fld>
             <a:endParaRPr lang="de-DE"/>
@@ -3143,6 +1584,7 @@
           <a:p>
             <a:fld id="{32C31F88-554B-4149-96BD-47A2761C631C}" type="slidenum">
               <a:rPr lang="de-DE" smtClean="0"/>
+              <a:pPr/>
               <a:t>5</a:t>
             </a:fld>
             <a:endParaRPr lang="de-DE"/>
@@ -3404,6 +1846,7 @@
           <a:p>
             <a:fld id="{32C31F88-554B-4149-96BD-47A2761C631C}" type="slidenum">
               <a:rPr lang="de-DE" smtClean="0"/>
+              <a:pPr/>
               <a:t>9</a:t>
             </a:fld>
             <a:endParaRPr lang="de-DE"/>
@@ -3485,6 +1928,7 @@
           <a:p>
             <a:fld id="{32C31F88-554B-4149-96BD-47A2761C631C}" type="slidenum">
               <a:rPr lang="de-DE" smtClean="0"/>
+              <a:pPr/>
               <a:t>13</a:t>
             </a:fld>
             <a:endParaRPr lang="de-DE"/>
@@ -3566,6 +2010,7 @@
           <a:p>
             <a:fld id="{32C31F88-554B-4149-96BD-47A2761C631C}" type="slidenum">
               <a:rPr lang="de-DE" smtClean="0"/>
+              <a:pPr/>
               <a:t>14</a:t>
             </a:fld>
             <a:endParaRPr lang="de-DE"/>
@@ -8235,11 +6680,7 @@
             </a:r>
             <a:r>
               <a:rPr lang="de-DE" dirty="0" err="1" smtClean="0"/>
-              <a:t>C</a:t>
-            </a:r>
-            <a:r>
-              <a:rPr lang="de-DE" dirty="0" err="1" smtClean="0"/>
-              <a:t>ontrol</a:t>
+              <a:t>Control</a:t>
             </a:r>
             <a:endParaRPr lang="de-DE" dirty="0"/>
           </a:p>
@@ -10881,7 +9322,7 @@
           <a:p>
             <a:r>
               <a:rPr lang="de-DE" dirty="0" smtClean="0"/>
-              <a:t>Methoden</a:t>
+              <a:t>Demo</a:t>
             </a:r>
             <a:endParaRPr lang="de-DE" dirty="0"/>
           </a:p>
@@ -10902,23 +9343,7 @@
           <a:bodyPr/>
           <a:lstStyle/>
           <a:p>
-            <a:r>
-              <a:rPr lang="de-DE" dirty="0" smtClean="0"/>
-              <a:t>MS Projekt</a:t>
-            </a:r>
-          </a:p>
-          <a:p>
-            <a:r>
-              <a:rPr lang="de-DE" dirty="0" smtClean="0"/>
-              <a:t>RUP</a:t>
-            </a:r>
-          </a:p>
-          <a:p>
-            <a:r>
-              <a:rPr lang="de-DE" dirty="0" smtClean="0"/>
-              <a:t>SCRUM</a:t>
-            </a:r>
-            <a:endParaRPr lang="de-DE" dirty="0"/>
+            <a:endParaRPr lang="de-DE"/>
           </a:p>
         </p:txBody>
       </p:sp>
@@ -11041,7 +9466,7 @@
           <a:p>
             <a:r>
               <a:rPr lang="de-DE" dirty="0" smtClean="0"/>
-              <a:t>MS Project</a:t>
+              <a:t>Methoden</a:t>
             </a:r>
             <a:endParaRPr lang="de-DE" dirty="0"/>
           </a:p>
@@ -11063,10 +9488,20 @@
           <a:lstStyle/>
           <a:p>
             <a:r>
-              <a:rPr lang="de-DE" dirty="0" smtClean="0">
-                <a:hlinkClick r:id="rId2" action="ppaction://hlinkfile"/>
-              </a:rPr>
-              <a:t>..\projekt_management.mpp</a:t>
+              <a:rPr lang="de-DE" dirty="0" smtClean="0"/>
+              <a:t>MS Projekt</a:t>
+            </a:r>
+          </a:p>
+          <a:p>
+            <a:r>
+              <a:rPr lang="de-DE" dirty="0" smtClean="0"/>
+              <a:t>RUP</a:t>
+            </a:r>
+          </a:p>
+          <a:p>
+            <a:r>
+              <a:rPr lang="de-DE" dirty="0" smtClean="0"/>
+              <a:t>SCRUM</a:t>
             </a:r>
             <a:endParaRPr lang="de-DE" dirty="0"/>
           </a:p>
@@ -11191,7 +9626,7 @@
           <a:p>
             <a:r>
               <a:rPr lang="de-DE" dirty="0" smtClean="0"/>
-              <a:t>Demo</a:t>
+              <a:t>MS Project</a:t>
             </a:r>
             <a:endParaRPr lang="de-DE" dirty="0"/>
           </a:p>
@@ -11212,7 +9647,13 @@
           <a:bodyPr/>
           <a:lstStyle/>
           <a:p>
-            <a:endParaRPr lang="de-DE"/>
+            <a:r>
+              <a:rPr lang="de-DE" dirty="0" smtClean="0">
+                <a:hlinkClick r:id="rId2" action="ppaction://hlinkfile"/>
+              </a:rPr>
+              <a:t>..\projekt_management.mpp</a:t>
+            </a:r>
+            <a:endParaRPr lang="de-DE" dirty="0"/>
           </a:p>
         </p:txBody>
       </p:sp>

--- a/Semester1_abschluss/Microsoft Office PowerPoint-Präsentation (neu).pptx
+++ b/Semester1_abschluss/Microsoft Office PowerPoint-Präsentation (neu).pptx
@@ -5,25 +5,27 @@
     <p:sldMasterId id="2147483660" r:id="rId1"/>
   </p:sldMasterIdLst>
   <p:notesMasterIdLst>
-    <p:notesMasterId r:id="rId18"/>
+    <p:notesMasterId r:id="rId20"/>
   </p:notesMasterIdLst>
   <p:sldIdLst>
     <p:sldId id="256" r:id="rId2"/>
-    <p:sldId id="257" r:id="rId3"/>
-    <p:sldId id="258" r:id="rId4"/>
-    <p:sldId id="260" r:id="rId5"/>
-    <p:sldId id="259" r:id="rId6"/>
-    <p:sldId id="262" r:id="rId7"/>
-    <p:sldId id="261" r:id="rId8"/>
-    <p:sldId id="270" r:id="rId9"/>
-    <p:sldId id="271" r:id="rId10"/>
-    <p:sldId id="263" r:id="rId11"/>
-    <p:sldId id="264" r:id="rId12"/>
-    <p:sldId id="265" r:id="rId13"/>
-    <p:sldId id="266" r:id="rId14"/>
-    <p:sldId id="267" r:id="rId15"/>
-    <p:sldId id="268" r:id="rId16"/>
-    <p:sldId id="269" r:id="rId17"/>
+    <p:sldId id="273" r:id="rId3"/>
+    <p:sldId id="257" r:id="rId4"/>
+    <p:sldId id="258" r:id="rId5"/>
+    <p:sldId id="260" r:id="rId6"/>
+    <p:sldId id="259" r:id="rId7"/>
+    <p:sldId id="262" r:id="rId8"/>
+    <p:sldId id="261" r:id="rId9"/>
+    <p:sldId id="270" r:id="rId10"/>
+    <p:sldId id="271" r:id="rId11"/>
+    <p:sldId id="272" r:id="rId12"/>
+    <p:sldId id="263" r:id="rId13"/>
+    <p:sldId id="264" r:id="rId14"/>
+    <p:sldId id="265" r:id="rId15"/>
+    <p:sldId id="266" r:id="rId16"/>
+    <p:sldId id="267" r:id="rId17"/>
+    <p:sldId id="268" r:id="rId18"/>
+    <p:sldId id="269" r:id="rId19"/>
   </p:sldIdLst>
   <p:sldSz cx="9144000" cy="6858000" type="screen4x3"/>
   <p:notesSz cx="6884988" cy="10018713"/>
@@ -208,7 +210,7 @@
             <a:fld id="{11FF48E7-A7C3-41E4-A3CF-C9AE0CF916E9}" type="datetimeFigureOut">
               <a:rPr lang="de-DE" smtClean="0"/>
               <a:pPr/>
-              <a:t>02.12.2013</a:t>
+              <a:t>03.12.2013</a:t>
             </a:fld>
             <a:endParaRPr lang="de-DE"/>
           </a:p>
@@ -522,7 +524,11 @@
           <a:p>
             <a:r>
               <a:rPr lang="de-DE" dirty="0" smtClean="0"/>
-              <a:t>Umfeld:</a:t>
+              <a:t>Umfeld</a:t>
+            </a:r>
+            <a:r>
+              <a:rPr lang="de-DE" dirty="0" smtClean="0"/>
+              <a:t>:</a:t>
             </a:r>
           </a:p>
           <a:p>
@@ -1438,7 +1444,7 @@
             <a:fld id="{32C31F88-554B-4149-96BD-47A2761C631C}" type="slidenum">
               <a:rPr lang="de-DE" smtClean="0"/>
               <a:pPr/>
-              <a:t>4</a:t>
+              <a:t>5</a:t>
             </a:fld>
             <a:endParaRPr lang="de-DE"/>
           </a:p>
@@ -1585,7 +1591,7 @@
             <a:fld id="{32C31F88-554B-4149-96BD-47A2761C631C}" type="slidenum">
               <a:rPr lang="de-DE" smtClean="0"/>
               <a:pPr/>
-              <a:t>5</a:t>
+              <a:t>6</a:t>
             </a:fld>
             <a:endParaRPr lang="de-DE"/>
           </a:p>
@@ -1847,7 +1853,7 @@
             <a:fld id="{32C31F88-554B-4149-96BD-47A2761C631C}" type="slidenum">
               <a:rPr lang="de-DE" smtClean="0"/>
               <a:pPr/>
-              <a:t>9</a:t>
+              <a:t>10</a:t>
             </a:fld>
             <a:endParaRPr lang="de-DE"/>
           </a:p>
@@ -1929,7 +1935,7 @@
             <a:fld id="{32C31F88-554B-4149-96BD-47A2761C631C}" type="slidenum">
               <a:rPr lang="de-DE" smtClean="0"/>
               <a:pPr/>
-              <a:t>13</a:t>
+              <a:t>15</a:t>
             </a:fld>
             <a:endParaRPr lang="de-DE"/>
           </a:p>
@@ -2011,7 +2017,7 @@
             <a:fld id="{32C31F88-554B-4149-96BD-47A2761C631C}" type="slidenum">
               <a:rPr lang="de-DE" smtClean="0"/>
               <a:pPr/>
-              <a:t>14</a:t>
+              <a:t>16</a:t>
             </a:fld>
             <a:endParaRPr lang="de-DE"/>
           </a:p>
@@ -6228,105 +6234,127 @@
           <a:p>
             <a:r>
               <a:rPr lang="de-DE" dirty="0" smtClean="0"/>
-              <a:t>Architektur - MVP</a:t>
+              <a:t>RUP</a:t>
             </a:r>
             <a:endParaRPr lang="de-DE" dirty="0"/>
+          </a:p>
+        </p:txBody>
+      </p:sp>
+      <p:sp>
+        <p:nvSpPr>
+          <p:cNvPr id="3" name="Inhaltsplatzhalter 2"/>
+          <p:cNvSpPr>
+            <a:spLocks noGrp="1"/>
+          </p:cNvSpPr>
+          <p:nvPr>
+            <p:ph idx="1"/>
+          </p:nvPr>
+        </p:nvSpPr>
+        <p:spPr/>
+        <p:txBody>
+          <a:bodyPr/>
+          <a:lstStyle/>
+          <a:p>
+            <a:endParaRPr lang="de-DE"/>
+          </a:p>
+        </p:txBody>
+      </p:sp>
+      <p:sp>
+        <p:nvSpPr>
+          <p:cNvPr id="4" name="Datumsplatzhalter 3"/>
+          <p:cNvSpPr>
+            <a:spLocks noGrp="1"/>
+          </p:cNvSpPr>
+          <p:nvPr>
+            <p:ph type="dt" sz="half" idx="10"/>
+          </p:nvPr>
+        </p:nvSpPr>
+        <p:spPr/>
+        <p:txBody>
+          <a:bodyPr/>
+          <a:lstStyle/>
+          <a:p>
+            <a:r>
+              <a:rPr lang="de-DE" smtClean="0"/>
+              <a:t>03.12.2013</a:t>
+            </a:r>
+            <a:endParaRPr lang="de-DE"/>
+          </a:p>
+        </p:txBody>
+      </p:sp>
+      <p:sp>
+        <p:nvSpPr>
+          <p:cNvPr id="5" name="Fußzeilenplatzhalter 4"/>
+          <p:cNvSpPr>
+            <a:spLocks noGrp="1"/>
+          </p:cNvSpPr>
+          <p:nvPr>
+            <p:ph type="ftr" sz="quarter" idx="11"/>
+          </p:nvPr>
+        </p:nvSpPr>
+        <p:spPr/>
+        <p:txBody>
+          <a:bodyPr/>
+          <a:lstStyle/>
+          <a:p>
+            <a:r>
+              <a:rPr lang="de-DE" smtClean="0"/>
+              <a:t>TINF12B3 Mario W., Benedikt B.</a:t>
+            </a:r>
+            <a:endParaRPr lang="de-DE" dirty="0"/>
+          </a:p>
+        </p:txBody>
+      </p:sp>
+      <p:sp>
+        <p:nvSpPr>
+          <p:cNvPr id="6" name="Foliennummernplatzhalter 5"/>
+          <p:cNvSpPr>
+            <a:spLocks noGrp="1"/>
+          </p:cNvSpPr>
+          <p:nvPr>
+            <p:ph type="sldNum" sz="quarter" idx="12"/>
+          </p:nvPr>
+        </p:nvSpPr>
+        <p:spPr/>
+        <p:txBody>
+          <a:bodyPr/>
+          <a:lstStyle/>
+          <a:p>
+            <a:fld id="{6C6AE60A-B69C-4790-82F7-3882EDF23186}" type="slidenum">
+              <a:rPr lang="de-DE" smtClean="0"/>
+              <a:pPr/>
+              <a:t>10</a:t>
+            </a:fld>
+            <a:endParaRPr lang="de-DE"/>
           </a:p>
         </p:txBody>
       </p:sp>
       <p:pic>
         <p:nvPicPr>
-          <p:cNvPr id="8" name="Inhaltsplatzhalter 7" descr="Model_View_Presenter.png"/>
+          <p:cNvPr id="3074" name="Picture 2" descr="C:\Users\Benedikt\Desktop\RUP.jpg"/>
           <p:cNvPicPr>
-            <a:picLocks noGrp="1" noChangeAspect="1"/>
+            <a:picLocks noChangeAspect="1" noChangeArrowheads="1"/>
           </p:cNvPicPr>
-          <p:nvPr>
-            <p:ph idx="1"/>
-          </p:nvPr>
+          <p:nvPr/>
         </p:nvPicPr>
         <p:blipFill>
-          <a:blip r:embed="rId2" cstate="print"/>
+          <a:blip r:embed="rId3" cstate="print"/>
+          <a:srcRect/>
           <a:stretch>
             <a:fillRect/>
           </a:stretch>
         </p:blipFill>
-        <p:spPr>
+        <p:spPr bwMode="auto">
           <a:xfrm>
-            <a:off x="1571007" y="1700213"/>
-            <a:ext cx="6024212" cy="4681537"/>
+            <a:off x="1039524" y="1700808"/>
+            <a:ext cx="7064952" cy="4752528"/>
           </a:xfrm>
+          <a:prstGeom prst="rect">
+            <a:avLst/>
+          </a:prstGeom>
+          <a:noFill/>
         </p:spPr>
       </p:pic>
-      <p:sp>
-        <p:nvSpPr>
-          <p:cNvPr id="4" name="Datumsplatzhalter 3"/>
-          <p:cNvSpPr>
-            <a:spLocks noGrp="1"/>
-          </p:cNvSpPr>
-          <p:nvPr>
-            <p:ph type="dt" sz="half" idx="10"/>
-          </p:nvPr>
-        </p:nvSpPr>
-        <p:spPr/>
-        <p:txBody>
-          <a:bodyPr/>
-          <a:lstStyle/>
-          <a:p>
-            <a:r>
-              <a:rPr lang="de-DE" smtClean="0"/>
-              <a:t>03.12.2013</a:t>
-            </a:r>
-            <a:endParaRPr lang="de-DE"/>
-          </a:p>
-        </p:txBody>
-      </p:sp>
-      <p:sp>
-        <p:nvSpPr>
-          <p:cNvPr id="5" name="Fußzeilenplatzhalter 4"/>
-          <p:cNvSpPr>
-            <a:spLocks noGrp="1"/>
-          </p:cNvSpPr>
-          <p:nvPr>
-            <p:ph type="ftr" sz="quarter" idx="11"/>
-          </p:nvPr>
-        </p:nvSpPr>
-        <p:spPr/>
-        <p:txBody>
-          <a:bodyPr/>
-          <a:lstStyle/>
-          <a:p>
-            <a:r>
-              <a:rPr lang="de-DE" smtClean="0"/>
-              <a:t>TINF12B3 Mario W., Benedikt B.</a:t>
-            </a:r>
-            <a:endParaRPr lang="de-DE" dirty="0"/>
-          </a:p>
-        </p:txBody>
-      </p:sp>
-      <p:sp>
-        <p:nvSpPr>
-          <p:cNvPr id="6" name="Foliennummernplatzhalter 5"/>
-          <p:cNvSpPr>
-            <a:spLocks noGrp="1"/>
-          </p:cNvSpPr>
-          <p:nvPr>
-            <p:ph type="sldNum" sz="quarter" idx="12"/>
-          </p:nvPr>
-        </p:nvSpPr>
-        <p:spPr/>
-        <p:txBody>
-          <a:bodyPr/>
-          <a:lstStyle/>
-          <a:p>
-            <a:fld id="{6C6AE60A-B69C-4790-82F7-3882EDF23186}" type="slidenum">
-              <a:rPr lang="de-DE" smtClean="0"/>
-              <a:pPr/>
-              <a:t>10</a:t>
-            </a:fld>
-            <a:endParaRPr lang="de-DE"/>
-          </a:p>
-        </p:txBody>
-      </p:sp>
     </p:spTree>
   </p:cSld>
   <p:clrMapOvr>
@@ -6376,7 +6404,32 @@
           <a:p>
             <a:r>
               <a:rPr lang="de-DE" dirty="0" smtClean="0"/>
-              <a:t>Architektur - Klassen</a:t>
+              <a:t>SCRUM</a:t>
+            </a:r>
+            <a:endParaRPr lang="de-DE" dirty="0"/>
+          </a:p>
+        </p:txBody>
+      </p:sp>
+      <p:sp>
+        <p:nvSpPr>
+          <p:cNvPr id="3" name="Inhaltsplatzhalter 2"/>
+          <p:cNvSpPr>
+            <a:spLocks noGrp="1"/>
+          </p:cNvSpPr>
+          <p:nvPr>
+            <p:ph idx="1"/>
+          </p:nvPr>
+        </p:nvSpPr>
+        <p:spPr/>
+        <p:txBody>
+          <a:bodyPr/>
+          <a:lstStyle/>
+          <a:p>
+            <a:r>
+              <a:rPr lang="de-DE" dirty="0" smtClean="0">
+                <a:hlinkClick r:id="rId2"/>
+              </a:rPr>
+              <a:t>http://193.196.7.46:8080/secure/RapidBoard.jspa?rapidView=17&amp;view=planning</a:t>
             </a:r>
             <a:endParaRPr lang="de-DE" dirty="0"/>
           </a:p>
@@ -6452,29 +6505,6 @@
           </a:p>
         </p:txBody>
       </p:sp>
-      <p:pic>
-        <p:nvPicPr>
-          <p:cNvPr id="9" name="Inhaltsplatzhalter 8" descr="sad_klassediagramm.gif"/>
-          <p:cNvPicPr>
-            <a:picLocks noGrp="1" noChangeAspect="1"/>
-          </p:cNvPicPr>
-          <p:nvPr>
-            <p:ph idx="1"/>
-          </p:nvPr>
-        </p:nvPicPr>
-        <p:blipFill>
-          <a:blip r:embed="rId2" cstate="print"/>
-          <a:stretch>
-            <a:fillRect/>
-          </a:stretch>
-        </p:blipFill>
-        <p:spPr>
-          <a:xfrm>
-            <a:off x="1270081" y="1700213"/>
-            <a:ext cx="6626063" cy="4681537"/>
-          </a:xfrm>
-        </p:spPr>
-      </p:pic>
     </p:spTree>
   </p:cSld>
   <p:clrMapOvr>
@@ -6524,89 +6554,15 @@
           <a:p>
             <a:r>
               <a:rPr lang="de-DE" dirty="0" smtClean="0"/>
-              <a:t>Architektur - </a:t>
-            </a:r>
-            <a:r>
-              <a:rPr lang="de-DE" dirty="0" err="1" smtClean="0"/>
-              <a:t>Deploy</a:t>
+              <a:t>Architektur - MVP</a:t>
             </a:r>
             <a:endParaRPr lang="de-DE" dirty="0"/>
-          </a:p>
-        </p:txBody>
-      </p:sp>
-      <p:sp>
-        <p:nvSpPr>
-          <p:cNvPr id="4" name="Datumsplatzhalter 3"/>
-          <p:cNvSpPr>
-            <a:spLocks noGrp="1"/>
-          </p:cNvSpPr>
-          <p:nvPr>
-            <p:ph type="dt" sz="half" idx="10"/>
-          </p:nvPr>
-        </p:nvSpPr>
-        <p:spPr/>
-        <p:txBody>
-          <a:bodyPr/>
-          <a:lstStyle/>
-          <a:p>
-            <a:r>
-              <a:rPr lang="de-DE" smtClean="0"/>
-              <a:t>03.12.2013</a:t>
-            </a:r>
-            <a:endParaRPr lang="de-DE"/>
-          </a:p>
-        </p:txBody>
-      </p:sp>
-      <p:sp>
-        <p:nvSpPr>
-          <p:cNvPr id="5" name="Fußzeilenplatzhalter 4"/>
-          <p:cNvSpPr>
-            <a:spLocks noGrp="1"/>
-          </p:cNvSpPr>
-          <p:nvPr>
-            <p:ph type="ftr" sz="quarter" idx="11"/>
-          </p:nvPr>
-        </p:nvSpPr>
-        <p:spPr/>
-        <p:txBody>
-          <a:bodyPr/>
-          <a:lstStyle/>
-          <a:p>
-            <a:r>
-              <a:rPr lang="de-DE" smtClean="0"/>
-              <a:t>TINF12B3 Mario W., Benedikt B.</a:t>
-            </a:r>
-            <a:endParaRPr lang="de-DE" dirty="0"/>
-          </a:p>
-        </p:txBody>
-      </p:sp>
-      <p:sp>
-        <p:nvSpPr>
-          <p:cNvPr id="6" name="Foliennummernplatzhalter 5"/>
-          <p:cNvSpPr>
-            <a:spLocks noGrp="1"/>
-          </p:cNvSpPr>
-          <p:nvPr>
-            <p:ph type="sldNum" sz="quarter" idx="12"/>
-          </p:nvPr>
-        </p:nvSpPr>
-        <p:spPr/>
-        <p:txBody>
-          <a:bodyPr/>
-          <a:lstStyle/>
-          <a:p>
-            <a:fld id="{6C6AE60A-B69C-4790-82F7-3882EDF23186}" type="slidenum">
-              <a:rPr lang="de-DE" smtClean="0"/>
-              <a:pPr/>
-              <a:t>12</a:t>
-            </a:fld>
-            <a:endParaRPr lang="de-DE"/>
           </a:p>
         </p:txBody>
       </p:sp>
       <p:pic>
         <p:nvPicPr>
-          <p:cNvPr id="9" name="Inhaltsplatzhalter 8" descr="deployment_diagramm.jpg"/>
+          <p:cNvPr id="8" name="Inhaltsplatzhalter 7" descr="Model_View_Presenter.png"/>
           <p:cNvPicPr>
             <a:picLocks noGrp="1" noChangeAspect="1"/>
           </p:cNvPicPr>
@@ -6622,11 +6578,81 @@
         </p:blipFill>
         <p:spPr>
           <a:xfrm>
-            <a:off x="3259138" y="3431381"/>
-            <a:ext cx="2647950" cy="1219200"/>
+            <a:off x="1571007" y="1700213"/>
+            <a:ext cx="6024212" cy="4681537"/>
           </a:xfrm>
         </p:spPr>
       </p:pic>
+      <p:sp>
+        <p:nvSpPr>
+          <p:cNvPr id="4" name="Datumsplatzhalter 3"/>
+          <p:cNvSpPr>
+            <a:spLocks noGrp="1"/>
+          </p:cNvSpPr>
+          <p:nvPr>
+            <p:ph type="dt" sz="half" idx="10"/>
+          </p:nvPr>
+        </p:nvSpPr>
+        <p:spPr/>
+        <p:txBody>
+          <a:bodyPr/>
+          <a:lstStyle/>
+          <a:p>
+            <a:r>
+              <a:rPr lang="de-DE" smtClean="0"/>
+              <a:t>03.12.2013</a:t>
+            </a:r>
+            <a:endParaRPr lang="de-DE"/>
+          </a:p>
+        </p:txBody>
+      </p:sp>
+      <p:sp>
+        <p:nvSpPr>
+          <p:cNvPr id="5" name="Fußzeilenplatzhalter 4"/>
+          <p:cNvSpPr>
+            <a:spLocks noGrp="1"/>
+          </p:cNvSpPr>
+          <p:nvPr>
+            <p:ph type="ftr" sz="quarter" idx="11"/>
+          </p:nvPr>
+        </p:nvSpPr>
+        <p:spPr/>
+        <p:txBody>
+          <a:bodyPr/>
+          <a:lstStyle/>
+          <a:p>
+            <a:r>
+              <a:rPr lang="de-DE" smtClean="0"/>
+              <a:t>TINF12B3 Mario W., Benedikt B.</a:t>
+            </a:r>
+            <a:endParaRPr lang="de-DE" dirty="0"/>
+          </a:p>
+        </p:txBody>
+      </p:sp>
+      <p:sp>
+        <p:nvSpPr>
+          <p:cNvPr id="6" name="Foliennummernplatzhalter 5"/>
+          <p:cNvSpPr>
+            <a:spLocks noGrp="1"/>
+          </p:cNvSpPr>
+          <p:nvPr>
+            <p:ph type="sldNum" sz="quarter" idx="12"/>
+          </p:nvPr>
+        </p:nvSpPr>
+        <p:spPr/>
+        <p:txBody>
+          <a:bodyPr/>
+          <a:lstStyle/>
+          <a:p>
+            <a:fld id="{6C6AE60A-B69C-4790-82F7-3882EDF23186}" type="slidenum">
+              <a:rPr lang="de-DE" smtClean="0"/>
+              <a:pPr/>
+              <a:t>12</a:t>
+            </a:fld>
+            <a:endParaRPr lang="de-DE"/>
+          </a:p>
+        </p:txBody>
+      </p:sp>
     </p:spTree>
   </p:cSld>
   <p:clrMapOvr>
@@ -6676,6 +6702,306 @@
           <a:p>
             <a:r>
               <a:rPr lang="de-DE" dirty="0" smtClean="0"/>
+              <a:t>Architektur - Klassen</a:t>
+            </a:r>
+            <a:endParaRPr lang="de-DE" dirty="0"/>
+          </a:p>
+        </p:txBody>
+      </p:sp>
+      <p:sp>
+        <p:nvSpPr>
+          <p:cNvPr id="4" name="Datumsplatzhalter 3"/>
+          <p:cNvSpPr>
+            <a:spLocks noGrp="1"/>
+          </p:cNvSpPr>
+          <p:nvPr>
+            <p:ph type="dt" sz="half" idx="10"/>
+          </p:nvPr>
+        </p:nvSpPr>
+        <p:spPr/>
+        <p:txBody>
+          <a:bodyPr/>
+          <a:lstStyle/>
+          <a:p>
+            <a:r>
+              <a:rPr lang="de-DE" smtClean="0"/>
+              <a:t>03.12.2013</a:t>
+            </a:r>
+            <a:endParaRPr lang="de-DE"/>
+          </a:p>
+        </p:txBody>
+      </p:sp>
+      <p:sp>
+        <p:nvSpPr>
+          <p:cNvPr id="5" name="Fußzeilenplatzhalter 4"/>
+          <p:cNvSpPr>
+            <a:spLocks noGrp="1"/>
+          </p:cNvSpPr>
+          <p:nvPr>
+            <p:ph type="ftr" sz="quarter" idx="11"/>
+          </p:nvPr>
+        </p:nvSpPr>
+        <p:spPr/>
+        <p:txBody>
+          <a:bodyPr/>
+          <a:lstStyle/>
+          <a:p>
+            <a:r>
+              <a:rPr lang="de-DE" smtClean="0"/>
+              <a:t>TINF12B3 Mario W., Benedikt B.</a:t>
+            </a:r>
+            <a:endParaRPr lang="de-DE" dirty="0"/>
+          </a:p>
+        </p:txBody>
+      </p:sp>
+      <p:sp>
+        <p:nvSpPr>
+          <p:cNvPr id="6" name="Foliennummernplatzhalter 5"/>
+          <p:cNvSpPr>
+            <a:spLocks noGrp="1"/>
+          </p:cNvSpPr>
+          <p:nvPr>
+            <p:ph type="sldNum" sz="quarter" idx="12"/>
+          </p:nvPr>
+        </p:nvSpPr>
+        <p:spPr/>
+        <p:txBody>
+          <a:bodyPr/>
+          <a:lstStyle/>
+          <a:p>
+            <a:fld id="{6C6AE60A-B69C-4790-82F7-3882EDF23186}" type="slidenum">
+              <a:rPr lang="de-DE" smtClean="0"/>
+              <a:pPr/>
+              <a:t>13</a:t>
+            </a:fld>
+            <a:endParaRPr lang="de-DE"/>
+          </a:p>
+        </p:txBody>
+      </p:sp>
+      <p:pic>
+        <p:nvPicPr>
+          <p:cNvPr id="9" name="Inhaltsplatzhalter 8" descr="sad_klassediagramm.gif"/>
+          <p:cNvPicPr>
+            <a:picLocks noGrp="1" noChangeAspect="1"/>
+          </p:cNvPicPr>
+          <p:nvPr>
+            <p:ph idx="1"/>
+          </p:nvPr>
+        </p:nvPicPr>
+        <p:blipFill>
+          <a:blip r:embed="rId2" cstate="print"/>
+          <a:stretch>
+            <a:fillRect/>
+          </a:stretch>
+        </p:blipFill>
+        <p:spPr>
+          <a:xfrm>
+            <a:off x="1270081" y="1700213"/>
+            <a:ext cx="6626063" cy="4681537"/>
+          </a:xfrm>
+        </p:spPr>
+      </p:pic>
+    </p:spTree>
+  </p:cSld>
+  <p:clrMapOvr>
+    <a:masterClrMapping/>
+  </p:clrMapOvr>
+  <p:timing>
+    <p:tnLst>
+      <p:par>
+        <p:cTn id="1" dur="indefinite" restart="never" nodeType="tmRoot"/>
+      </p:par>
+    </p:tnLst>
+  </p:timing>
+</p:sld>
+</file>
+
+<file path=ppt/slides/slide14.xml><?xml version="1.0" encoding="utf-8"?>
+<p:sld xmlns:a="http://schemas.openxmlformats.org/drawingml/2006/main" xmlns:r="http://schemas.openxmlformats.org/officeDocument/2006/relationships" xmlns:p="http://schemas.openxmlformats.org/presentationml/2006/main">
+  <p:cSld>
+    <p:spTree>
+      <p:nvGrpSpPr>
+        <p:cNvPr id="1" name=""/>
+        <p:cNvGrpSpPr/>
+        <p:nvPr/>
+      </p:nvGrpSpPr>
+      <p:grpSpPr>
+        <a:xfrm>
+          <a:off x="0" y="0"/>
+          <a:ext cx="0" cy="0"/>
+          <a:chOff x="0" y="0"/>
+          <a:chExt cx="0" cy="0"/>
+        </a:xfrm>
+      </p:grpSpPr>
+      <p:sp>
+        <p:nvSpPr>
+          <p:cNvPr id="2" name="Titel 1"/>
+          <p:cNvSpPr>
+            <a:spLocks noGrp="1"/>
+          </p:cNvSpPr>
+          <p:nvPr>
+            <p:ph type="title"/>
+          </p:nvPr>
+        </p:nvSpPr>
+        <p:spPr/>
+        <p:txBody>
+          <a:bodyPr/>
+          <a:lstStyle/>
+          <a:p>
+            <a:r>
+              <a:rPr lang="de-DE" dirty="0" smtClean="0"/>
+              <a:t>Architektur - </a:t>
+            </a:r>
+            <a:r>
+              <a:rPr lang="de-DE" dirty="0" err="1" smtClean="0"/>
+              <a:t>Deploy</a:t>
+            </a:r>
+            <a:endParaRPr lang="de-DE" dirty="0"/>
+          </a:p>
+        </p:txBody>
+      </p:sp>
+      <p:sp>
+        <p:nvSpPr>
+          <p:cNvPr id="4" name="Datumsplatzhalter 3"/>
+          <p:cNvSpPr>
+            <a:spLocks noGrp="1"/>
+          </p:cNvSpPr>
+          <p:nvPr>
+            <p:ph type="dt" sz="half" idx="10"/>
+          </p:nvPr>
+        </p:nvSpPr>
+        <p:spPr/>
+        <p:txBody>
+          <a:bodyPr/>
+          <a:lstStyle/>
+          <a:p>
+            <a:r>
+              <a:rPr lang="de-DE" smtClean="0"/>
+              <a:t>03.12.2013</a:t>
+            </a:r>
+            <a:endParaRPr lang="de-DE"/>
+          </a:p>
+        </p:txBody>
+      </p:sp>
+      <p:sp>
+        <p:nvSpPr>
+          <p:cNvPr id="5" name="Fußzeilenplatzhalter 4"/>
+          <p:cNvSpPr>
+            <a:spLocks noGrp="1"/>
+          </p:cNvSpPr>
+          <p:nvPr>
+            <p:ph type="ftr" sz="quarter" idx="11"/>
+          </p:nvPr>
+        </p:nvSpPr>
+        <p:spPr/>
+        <p:txBody>
+          <a:bodyPr/>
+          <a:lstStyle/>
+          <a:p>
+            <a:r>
+              <a:rPr lang="de-DE" smtClean="0"/>
+              <a:t>TINF12B3 Mario W., Benedikt B.</a:t>
+            </a:r>
+            <a:endParaRPr lang="de-DE" dirty="0"/>
+          </a:p>
+        </p:txBody>
+      </p:sp>
+      <p:sp>
+        <p:nvSpPr>
+          <p:cNvPr id="6" name="Foliennummernplatzhalter 5"/>
+          <p:cNvSpPr>
+            <a:spLocks noGrp="1"/>
+          </p:cNvSpPr>
+          <p:nvPr>
+            <p:ph type="sldNum" sz="quarter" idx="12"/>
+          </p:nvPr>
+        </p:nvSpPr>
+        <p:spPr/>
+        <p:txBody>
+          <a:bodyPr/>
+          <a:lstStyle/>
+          <a:p>
+            <a:fld id="{6C6AE60A-B69C-4790-82F7-3882EDF23186}" type="slidenum">
+              <a:rPr lang="de-DE" smtClean="0"/>
+              <a:pPr/>
+              <a:t>14</a:t>
+            </a:fld>
+            <a:endParaRPr lang="de-DE"/>
+          </a:p>
+        </p:txBody>
+      </p:sp>
+      <p:pic>
+        <p:nvPicPr>
+          <p:cNvPr id="9" name="Inhaltsplatzhalter 8" descr="deployment_diagramm.jpg"/>
+          <p:cNvPicPr>
+            <a:picLocks noGrp="1" noChangeAspect="1"/>
+          </p:cNvPicPr>
+          <p:nvPr>
+            <p:ph idx="1"/>
+          </p:nvPr>
+        </p:nvPicPr>
+        <p:blipFill>
+          <a:blip r:embed="rId2" cstate="print"/>
+          <a:stretch>
+            <a:fillRect/>
+          </a:stretch>
+        </p:blipFill>
+        <p:spPr>
+          <a:xfrm>
+            <a:off x="3259138" y="3431381"/>
+            <a:ext cx="2647950" cy="1219200"/>
+          </a:xfrm>
+        </p:spPr>
+      </p:pic>
+    </p:spTree>
+  </p:cSld>
+  <p:clrMapOvr>
+    <a:masterClrMapping/>
+  </p:clrMapOvr>
+  <p:timing>
+    <p:tnLst>
+      <p:par>
+        <p:cTn id="1" dur="indefinite" restart="never" nodeType="tmRoot"/>
+      </p:par>
+    </p:tnLst>
+  </p:timing>
+</p:sld>
+</file>
+
+<file path=ppt/slides/slide15.xml><?xml version="1.0" encoding="utf-8"?>
+<p:sld xmlns:a="http://schemas.openxmlformats.org/drawingml/2006/main" xmlns:r="http://schemas.openxmlformats.org/officeDocument/2006/relationships" xmlns:p="http://schemas.openxmlformats.org/presentationml/2006/main">
+  <p:cSld>
+    <p:spTree>
+      <p:nvGrpSpPr>
+        <p:cNvPr id="1" name=""/>
+        <p:cNvGrpSpPr/>
+        <p:nvPr/>
+      </p:nvGrpSpPr>
+      <p:grpSpPr>
+        <a:xfrm>
+          <a:off x="0" y="0"/>
+          <a:ext cx="0" cy="0"/>
+          <a:chOff x="0" y="0"/>
+          <a:chExt cx="0" cy="0"/>
+        </a:xfrm>
+      </p:grpSpPr>
+      <p:sp>
+        <p:nvSpPr>
+          <p:cNvPr id="2" name="Titel 1"/>
+          <p:cNvSpPr>
+            <a:spLocks noGrp="1"/>
+          </p:cNvSpPr>
+          <p:nvPr>
+            <p:ph type="title"/>
+          </p:nvPr>
+        </p:nvSpPr>
+        <p:spPr/>
+        <p:txBody>
+          <a:bodyPr/>
+          <a:lstStyle/>
+          <a:p>
+            <a:r>
+              <a:rPr lang="de-DE" dirty="0" smtClean="0"/>
               <a:t>Version </a:t>
             </a:r>
             <a:r>
@@ -6796,7 +7122,7 @@
             <a:fld id="{6C6AE60A-B69C-4790-82F7-3882EDF23186}" type="slidenum">
               <a:rPr lang="de-DE" smtClean="0"/>
               <a:pPr/>
-              <a:t>13</a:t>
+              <a:t>15</a:t>
             </a:fld>
             <a:endParaRPr lang="de-DE"/>
           </a:p>
@@ -7039,7 +7365,7 @@
 </p:sld>
 </file>
 
-<file path=ppt/slides/slide14.xml><?xml version="1.0" encoding="utf-8"?>
+<file path=ppt/slides/slide16.xml><?xml version="1.0" encoding="utf-8"?>
 <p:sld xmlns:a="http://schemas.openxmlformats.org/drawingml/2006/main" xmlns:r="http://schemas.openxmlformats.org/officeDocument/2006/relationships" xmlns:p="http://schemas.openxmlformats.org/presentationml/2006/main">
   <p:cSld>
     <p:spTree>
@@ -7188,7 +7514,7 @@
             <a:fld id="{6C6AE60A-B69C-4790-82F7-3882EDF23186}" type="slidenum">
               <a:rPr lang="de-DE" smtClean="0"/>
               <a:pPr/>
-              <a:t>14</a:t>
+              <a:t>16</a:t>
             </a:fld>
             <a:endParaRPr lang="de-DE"/>
           </a:p>
@@ -7333,7 +7659,7 @@
 </p:sld>
 </file>
 
-<file path=ppt/slides/slide15.xml><?xml version="1.0" encoding="utf-8"?>
+<file path=ppt/slides/slide17.xml><?xml version="1.0" encoding="utf-8"?>
 <p:sld xmlns:a="http://schemas.openxmlformats.org/drawingml/2006/main" xmlns:r="http://schemas.openxmlformats.org/officeDocument/2006/relationships" xmlns:p="http://schemas.openxmlformats.org/presentationml/2006/main">
   <p:cSld>
     <p:spTree>
@@ -7473,7 +7799,7 @@
             <a:fld id="{6C6AE60A-B69C-4790-82F7-3882EDF23186}" type="slidenum">
               <a:rPr lang="de-DE" smtClean="0"/>
               <a:pPr/>
-              <a:t>15</a:t>
+              <a:t>17</a:t>
             </a:fld>
             <a:endParaRPr lang="de-DE"/>
           </a:p>
@@ -7667,7 +7993,7 @@
 </p:sld>
 </file>
 
-<file path=ppt/slides/slide16.xml><?xml version="1.0" encoding="utf-8"?>
+<file path=ppt/slides/slide18.xml><?xml version="1.0" encoding="utf-8"?>
 <p:sld xmlns:a="http://schemas.openxmlformats.org/drawingml/2006/main" xmlns:r="http://schemas.openxmlformats.org/officeDocument/2006/relationships" xmlns:p="http://schemas.openxmlformats.org/presentationml/2006/main">
   <p:cSld>
     <p:spTree>
@@ -7801,7 +8127,7 @@
             <a:fld id="{6C6AE60A-B69C-4790-82F7-3882EDF23186}" type="slidenum">
               <a:rPr lang="de-DE" smtClean="0"/>
               <a:pPr/>
-              <a:t>16</a:t>
+              <a:t>18</a:t>
             </a:fld>
             <a:endParaRPr lang="de-DE"/>
           </a:p>
@@ -7980,7 +8306,7 @@
           <a:p>
             <a:r>
               <a:rPr lang="de-DE" dirty="0" smtClean="0"/>
-              <a:t>Projektziel</a:t>
+              <a:t>Informationsquellen</a:t>
             </a:r>
             <a:endParaRPr lang="de-DE" dirty="0"/>
           </a:p>
@@ -8002,29 +8328,19 @@
           <a:lstStyle/>
           <a:p>
             <a:r>
-              <a:rPr lang="de-DE" dirty="0" smtClean="0"/>
-              <a:t>Vision</a:t>
-            </a:r>
-          </a:p>
-          <a:p>
-            <a:r>
-              <a:rPr lang="de-DE" dirty="0" err="1" smtClean="0"/>
-              <a:t>Use</a:t>
-            </a:r>
-            <a:r>
-              <a:rPr lang="de-DE" dirty="0" smtClean="0"/>
-              <a:t> </a:t>
-            </a:r>
-            <a:r>
-              <a:rPr lang="de-DE" dirty="0" err="1" smtClean="0"/>
-              <a:t>Cases</a:t>
+              <a:rPr lang="de-DE" dirty="0" smtClean="0">
+                <a:hlinkClick r:id="rId2"/>
+              </a:rPr>
+              <a:t>http://benediktbock.de/bpm/</a:t>
             </a:r>
             <a:endParaRPr lang="de-DE" dirty="0" smtClean="0"/>
           </a:p>
           <a:p>
             <a:r>
-              <a:rPr lang="de-DE" dirty="0" smtClean="0"/>
-              <a:t>Spezifikation</a:t>
+              <a:rPr lang="de-DE" dirty="0" smtClean="0">
+                <a:hlinkClick r:id="rId3"/>
+              </a:rPr>
+              <a:t>https://github.com/Benedikt1992/BPM</a:t>
             </a:r>
             <a:endParaRPr lang="de-DE" dirty="0"/>
           </a:p>
@@ -8055,7 +8371,30 @@
       </p:sp>
       <p:sp>
         <p:nvSpPr>
-          <p:cNvPr id="5" name="Foliennummernplatzhalter 4"/>
+          <p:cNvPr id="5" name="Fußzeilenplatzhalter 4"/>
+          <p:cNvSpPr>
+            <a:spLocks noGrp="1"/>
+          </p:cNvSpPr>
+          <p:nvPr>
+            <p:ph type="ftr" sz="quarter" idx="11"/>
+          </p:nvPr>
+        </p:nvSpPr>
+        <p:spPr/>
+        <p:txBody>
+          <a:bodyPr/>
+          <a:lstStyle/>
+          <a:p>
+            <a:r>
+              <a:rPr lang="de-DE" smtClean="0"/>
+              <a:t>TINF12B3 Mario W., Benedikt B.</a:t>
+            </a:r>
+            <a:endParaRPr lang="de-DE" dirty="0"/>
+          </a:p>
+        </p:txBody>
+      </p:sp>
+      <p:sp>
+        <p:nvSpPr>
+          <p:cNvPr id="6" name="Foliennummernplatzhalter 5"/>
           <p:cNvSpPr>
             <a:spLocks noGrp="1"/>
           </p:cNvSpPr>
@@ -8074,29 +8413,6 @@
               <a:t>2</a:t>
             </a:fld>
             <a:endParaRPr lang="de-DE"/>
-          </a:p>
-        </p:txBody>
-      </p:sp>
-      <p:sp>
-        <p:nvSpPr>
-          <p:cNvPr id="6" name="Fußzeilenplatzhalter 5"/>
-          <p:cNvSpPr>
-            <a:spLocks noGrp="1"/>
-          </p:cNvSpPr>
-          <p:nvPr>
-            <p:ph type="ftr" sz="quarter" idx="11"/>
-          </p:nvPr>
-        </p:nvSpPr>
-        <p:spPr/>
-        <p:txBody>
-          <a:bodyPr/>
-          <a:lstStyle/>
-          <a:p>
-            <a:r>
-              <a:rPr lang="de-DE" smtClean="0"/>
-              <a:t>TINF12B3 Mario W., Benedikt B.</a:t>
-            </a:r>
-            <a:endParaRPr lang="de-DE" dirty="0"/>
           </a:p>
         </p:txBody>
       </p:sp>
@@ -8149,6 +8465,175 @@
           <a:p>
             <a:r>
               <a:rPr lang="de-DE" dirty="0" smtClean="0"/>
+              <a:t>Projektziel</a:t>
+            </a:r>
+            <a:endParaRPr lang="de-DE" dirty="0"/>
+          </a:p>
+        </p:txBody>
+      </p:sp>
+      <p:sp>
+        <p:nvSpPr>
+          <p:cNvPr id="3" name="Inhaltsplatzhalter 2"/>
+          <p:cNvSpPr>
+            <a:spLocks noGrp="1"/>
+          </p:cNvSpPr>
+          <p:nvPr>
+            <p:ph idx="1"/>
+          </p:nvPr>
+        </p:nvSpPr>
+        <p:spPr/>
+        <p:txBody>
+          <a:bodyPr/>
+          <a:lstStyle/>
+          <a:p>
+            <a:r>
+              <a:rPr lang="de-DE" dirty="0" smtClean="0"/>
+              <a:t>Vision</a:t>
+            </a:r>
+          </a:p>
+          <a:p>
+            <a:r>
+              <a:rPr lang="de-DE" dirty="0" err="1" smtClean="0"/>
+              <a:t>Use</a:t>
+            </a:r>
+            <a:r>
+              <a:rPr lang="de-DE" dirty="0" smtClean="0"/>
+              <a:t> </a:t>
+            </a:r>
+            <a:r>
+              <a:rPr lang="de-DE" dirty="0" err="1" smtClean="0"/>
+              <a:t>Cases</a:t>
+            </a:r>
+            <a:endParaRPr lang="de-DE" dirty="0" smtClean="0"/>
+          </a:p>
+          <a:p>
+            <a:r>
+              <a:rPr lang="de-DE" dirty="0" smtClean="0"/>
+              <a:t>Spezifikation</a:t>
+            </a:r>
+            <a:endParaRPr lang="de-DE" dirty="0"/>
+          </a:p>
+        </p:txBody>
+      </p:sp>
+      <p:sp>
+        <p:nvSpPr>
+          <p:cNvPr id="4" name="Datumsplatzhalter 3"/>
+          <p:cNvSpPr>
+            <a:spLocks noGrp="1"/>
+          </p:cNvSpPr>
+          <p:nvPr>
+            <p:ph type="dt" sz="half" idx="10"/>
+          </p:nvPr>
+        </p:nvSpPr>
+        <p:spPr/>
+        <p:txBody>
+          <a:bodyPr/>
+          <a:lstStyle/>
+          <a:p>
+            <a:r>
+              <a:rPr lang="de-DE" smtClean="0"/>
+              <a:t>03.12.2013</a:t>
+            </a:r>
+            <a:endParaRPr lang="de-DE"/>
+          </a:p>
+        </p:txBody>
+      </p:sp>
+      <p:sp>
+        <p:nvSpPr>
+          <p:cNvPr id="5" name="Foliennummernplatzhalter 4"/>
+          <p:cNvSpPr>
+            <a:spLocks noGrp="1"/>
+          </p:cNvSpPr>
+          <p:nvPr>
+            <p:ph type="sldNum" sz="quarter" idx="12"/>
+          </p:nvPr>
+        </p:nvSpPr>
+        <p:spPr/>
+        <p:txBody>
+          <a:bodyPr/>
+          <a:lstStyle/>
+          <a:p>
+            <a:fld id="{6C6AE60A-B69C-4790-82F7-3882EDF23186}" type="slidenum">
+              <a:rPr lang="de-DE" smtClean="0"/>
+              <a:pPr/>
+              <a:t>3</a:t>
+            </a:fld>
+            <a:endParaRPr lang="de-DE"/>
+          </a:p>
+        </p:txBody>
+      </p:sp>
+      <p:sp>
+        <p:nvSpPr>
+          <p:cNvPr id="6" name="Fußzeilenplatzhalter 5"/>
+          <p:cNvSpPr>
+            <a:spLocks noGrp="1"/>
+          </p:cNvSpPr>
+          <p:nvPr>
+            <p:ph type="ftr" sz="quarter" idx="11"/>
+          </p:nvPr>
+        </p:nvSpPr>
+        <p:spPr/>
+        <p:txBody>
+          <a:bodyPr/>
+          <a:lstStyle/>
+          <a:p>
+            <a:r>
+              <a:rPr lang="de-DE" smtClean="0"/>
+              <a:t>TINF12B3 Mario W., Benedikt B.</a:t>
+            </a:r>
+            <a:endParaRPr lang="de-DE" dirty="0"/>
+          </a:p>
+        </p:txBody>
+      </p:sp>
+    </p:spTree>
+  </p:cSld>
+  <p:clrMapOvr>
+    <a:masterClrMapping/>
+  </p:clrMapOvr>
+  <p:timing>
+    <p:tnLst>
+      <p:par>
+        <p:cTn id="1" dur="indefinite" restart="never" nodeType="tmRoot"/>
+      </p:par>
+    </p:tnLst>
+  </p:timing>
+</p:sld>
+</file>
+
+<file path=ppt/slides/slide4.xml><?xml version="1.0" encoding="utf-8"?>
+<p:sld xmlns:a="http://schemas.openxmlformats.org/drawingml/2006/main" xmlns:r="http://schemas.openxmlformats.org/officeDocument/2006/relationships" xmlns:p="http://schemas.openxmlformats.org/presentationml/2006/main">
+  <p:cSld>
+    <p:spTree>
+      <p:nvGrpSpPr>
+        <p:cNvPr id="1" name=""/>
+        <p:cNvGrpSpPr/>
+        <p:nvPr/>
+      </p:nvGrpSpPr>
+      <p:grpSpPr>
+        <a:xfrm>
+          <a:off x="0" y="0"/>
+          <a:ext cx="0" cy="0"/>
+          <a:chOff x="0" y="0"/>
+          <a:chExt cx="0" cy="0"/>
+        </a:xfrm>
+      </p:grpSpPr>
+      <p:sp>
+        <p:nvSpPr>
+          <p:cNvPr id="2" name="Titel 1"/>
+          <p:cNvSpPr>
+            <a:spLocks noGrp="1"/>
+          </p:cNvSpPr>
+          <p:nvPr>
+            <p:ph type="title"/>
+          </p:nvPr>
+        </p:nvSpPr>
+        <p:spPr/>
+        <p:txBody>
+          <a:bodyPr/>
+          <a:lstStyle/>
+          <a:p>
+            <a:r>
+              <a:rPr lang="de-DE" dirty="0" smtClean="0"/>
               <a:t>Vision</a:t>
             </a:r>
             <a:endParaRPr lang="de-DE" dirty="0"/>
@@ -8253,7 +8738,7 @@
             <a:fld id="{6C6AE60A-B69C-4790-82F7-3882EDF23186}" type="slidenum">
               <a:rPr lang="de-DE" smtClean="0"/>
               <a:pPr/>
-              <a:t>3</a:t>
+              <a:t>4</a:t>
             </a:fld>
             <a:endParaRPr lang="de-DE"/>
           </a:p>
@@ -8660,160 +9145,6 @@
 </p:sld>
 </file>
 
-<file path=ppt/slides/slide4.xml><?xml version="1.0" encoding="utf-8"?>
-<p:sld xmlns:a="http://schemas.openxmlformats.org/drawingml/2006/main" xmlns:r="http://schemas.openxmlformats.org/officeDocument/2006/relationships" xmlns:p="http://schemas.openxmlformats.org/presentationml/2006/main">
-  <p:cSld>
-    <p:spTree>
-      <p:nvGrpSpPr>
-        <p:cNvPr id="1" name=""/>
-        <p:cNvGrpSpPr/>
-        <p:nvPr/>
-      </p:nvGrpSpPr>
-      <p:grpSpPr>
-        <a:xfrm>
-          <a:off x="0" y="0"/>
-          <a:ext cx="0" cy="0"/>
-          <a:chOff x="0" y="0"/>
-          <a:chExt cx="0" cy="0"/>
-        </a:xfrm>
-      </p:grpSpPr>
-      <p:sp>
-        <p:nvSpPr>
-          <p:cNvPr id="2" name="Titel 1"/>
-          <p:cNvSpPr>
-            <a:spLocks noGrp="1"/>
-          </p:cNvSpPr>
-          <p:nvPr>
-            <p:ph type="title"/>
-          </p:nvPr>
-        </p:nvSpPr>
-        <p:spPr/>
-        <p:txBody>
-          <a:bodyPr/>
-          <a:lstStyle/>
-          <a:p>
-            <a:r>
-              <a:rPr lang="de-DE" dirty="0" smtClean="0"/>
-              <a:t>Spezifikation</a:t>
-            </a:r>
-            <a:endParaRPr lang="de-DE" dirty="0"/>
-          </a:p>
-        </p:txBody>
-      </p:sp>
-      <p:sp>
-        <p:nvSpPr>
-          <p:cNvPr id="3" name="Inhaltsplatzhalter 2"/>
-          <p:cNvSpPr>
-            <a:spLocks noGrp="1"/>
-          </p:cNvSpPr>
-          <p:nvPr>
-            <p:ph idx="1"/>
-          </p:nvPr>
-        </p:nvSpPr>
-        <p:spPr/>
-        <p:txBody>
-          <a:bodyPr/>
-          <a:lstStyle/>
-          <a:p>
-            <a:r>
-              <a:rPr lang="de-DE" dirty="0" smtClean="0"/>
-              <a:t>Umfeld</a:t>
-            </a:r>
-          </a:p>
-          <a:p>
-            <a:r>
-              <a:rPr lang="de-DE" dirty="0" smtClean="0"/>
-              <a:t>Anforderungen an die Software</a:t>
-            </a:r>
-            <a:endParaRPr lang="de-DE" dirty="0"/>
-          </a:p>
-        </p:txBody>
-      </p:sp>
-      <p:sp>
-        <p:nvSpPr>
-          <p:cNvPr id="4" name="Datumsplatzhalter 3"/>
-          <p:cNvSpPr>
-            <a:spLocks noGrp="1"/>
-          </p:cNvSpPr>
-          <p:nvPr>
-            <p:ph type="dt" sz="half" idx="10"/>
-          </p:nvPr>
-        </p:nvSpPr>
-        <p:spPr/>
-        <p:txBody>
-          <a:bodyPr/>
-          <a:lstStyle/>
-          <a:p>
-            <a:r>
-              <a:rPr lang="de-DE" smtClean="0"/>
-              <a:t>03.12.2013</a:t>
-            </a:r>
-            <a:endParaRPr lang="de-DE"/>
-          </a:p>
-        </p:txBody>
-      </p:sp>
-      <p:sp>
-        <p:nvSpPr>
-          <p:cNvPr id="5" name="Fußzeilenplatzhalter 4"/>
-          <p:cNvSpPr>
-            <a:spLocks noGrp="1"/>
-          </p:cNvSpPr>
-          <p:nvPr>
-            <p:ph type="ftr" sz="quarter" idx="11"/>
-          </p:nvPr>
-        </p:nvSpPr>
-        <p:spPr/>
-        <p:txBody>
-          <a:bodyPr/>
-          <a:lstStyle/>
-          <a:p>
-            <a:r>
-              <a:rPr lang="de-DE" smtClean="0"/>
-              <a:t>TINF12B3 Mario W., Benedikt B.</a:t>
-            </a:r>
-            <a:endParaRPr lang="de-DE" dirty="0"/>
-          </a:p>
-        </p:txBody>
-      </p:sp>
-      <p:sp>
-        <p:nvSpPr>
-          <p:cNvPr id="6" name="Foliennummernplatzhalter 5"/>
-          <p:cNvSpPr>
-            <a:spLocks noGrp="1"/>
-          </p:cNvSpPr>
-          <p:nvPr>
-            <p:ph type="sldNum" sz="quarter" idx="12"/>
-          </p:nvPr>
-        </p:nvSpPr>
-        <p:spPr/>
-        <p:txBody>
-          <a:bodyPr/>
-          <a:lstStyle/>
-          <a:p>
-            <a:fld id="{6C6AE60A-B69C-4790-82F7-3882EDF23186}" type="slidenum">
-              <a:rPr lang="de-DE" smtClean="0"/>
-              <a:pPr/>
-              <a:t>4</a:t>
-            </a:fld>
-            <a:endParaRPr lang="de-DE"/>
-          </a:p>
-        </p:txBody>
-      </p:sp>
-    </p:spTree>
-  </p:cSld>
-  <p:clrMapOvr>
-    <a:masterClrMapping/>
-  </p:clrMapOvr>
-  <p:timing>
-    <p:tnLst>
-      <p:par>
-        <p:cTn id="1" dur="indefinite" restart="never" nodeType="tmRoot"/>
-      </p:par>
-    </p:tnLst>
-  </p:timing>
-</p:sld>
-</file>
-
 <file path=ppt/slides/slide5.xml><?xml version="1.0" encoding="utf-8"?>
 <p:sld xmlns:a="http://schemas.openxmlformats.org/drawingml/2006/main" xmlns:r="http://schemas.openxmlformats.org/officeDocument/2006/relationships" xmlns:p="http://schemas.openxmlformats.org/presentationml/2006/main">
   <p:cSld>
@@ -8843,6 +9174,160 @@
         </p:nvSpPr>
         <p:spPr/>
         <p:txBody>
+          <a:bodyPr/>
+          <a:lstStyle/>
+          <a:p>
+            <a:r>
+              <a:rPr lang="de-DE" dirty="0" smtClean="0"/>
+              <a:t>Spezifikation</a:t>
+            </a:r>
+            <a:endParaRPr lang="de-DE" dirty="0"/>
+          </a:p>
+        </p:txBody>
+      </p:sp>
+      <p:sp>
+        <p:nvSpPr>
+          <p:cNvPr id="3" name="Inhaltsplatzhalter 2"/>
+          <p:cNvSpPr>
+            <a:spLocks noGrp="1"/>
+          </p:cNvSpPr>
+          <p:nvPr>
+            <p:ph idx="1"/>
+          </p:nvPr>
+        </p:nvSpPr>
+        <p:spPr/>
+        <p:txBody>
+          <a:bodyPr/>
+          <a:lstStyle/>
+          <a:p>
+            <a:r>
+              <a:rPr lang="de-DE" dirty="0" smtClean="0"/>
+              <a:t>Umfeld</a:t>
+            </a:r>
+          </a:p>
+          <a:p>
+            <a:r>
+              <a:rPr lang="de-DE" dirty="0" smtClean="0"/>
+              <a:t>Anforderungen an die Software</a:t>
+            </a:r>
+            <a:endParaRPr lang="de-DE" dirty="0"/>
+          </a:p>
+        </p:txBody>
+      </p:sp>
+      <p:sp>
+        <p:nvSpPr>
+          <p:cNvPr id="4" name="Datumsplatzhalter 3"/>
+          <p:cNvSpPr>
+            <a:spLocks noGrp="1"/>
+          </p:cNvSpPr>
+          <p:nvPr>
+            <p:ph type="dt" sz="half" idx="10"/>
+          </p:nvPr>
+        </p:nvSpPr>
+        <p:spPr/>
+        <p:txBody>
+          <a:bodyPr/>
+          <a:lstStyle/>
+          <a:p>
+            <a:r>
+              <a:rPr lang="de-DE" smtClean="0"/>
+              <a:t>03.12.2013</a:t>
+            </a:r>
+            <a:endParaRPr lang="de-DE"/>
+          </a:p>
+        </p:txBody>
+      </p:sp>
+      <p:sp>
+        <p:nvSpPr>
+          <p:cNvPr id="5" name="Fußzeilenplatzhalter 4"/>
+          <p:cNvSpPr>
+            <a:spLocks noGrp="1"/>
+          </p:cNvSpPr>
+          <p:nvPr>
+            <p:ph type="ftr" sz="quarter" idx="11"/>
+          </p:nvPr>
+        </p:nvSpPr>
+        <p:spPr/>
+        <p:txBody>
+          <a:bodyPr/>
+          <a:lstStyle/>
+          <a:p>
+            <a:r>
+              <a:rPr lang="de-DE" smtClean="0"/>
+              <a:t>TINF12B3 Mario W., Benedikt B.</a:t>
+            </a:r>
+            <a:endParaRPr lang="de-DE" dirty="0"/>
+          </a:p>
+        </p:txBody>
+      </p:sp>
+      <p:sp>
+        <p:nvSpPr>
+          <p:cNvPr id="6" name="Foliennummernplatzhalter 5"/>
+          <p:cNvSpPr>
+            <a:spLocks noGrp="1"/>
+          </p:cNvSpPr>
+          <p:nvPr>
+            <p:ph type="sldNum" sz="quarter" idx="12"/>
+          </p:nvPr>
+        </p:nvSpPr>
+        <p:spPr/>
+        <p:txBody>
+          <a:bodyPr/>
+          <a:lstStyle/>
+          <a:p>
+            <a:fld id="{6C6AE60A-B69C-4790-82F7-3882EDF23186}" type="slidenum">
+              <a:rPr lang="de-DE" smtClean="0"/>
+              <a:pPr/>
+              <a:t>5</a:t>
+            </a:fld>
+            <a:endParaRPr lang="de-DE"/>
+          </a:p>
+        </p:txBody>
+      </p:sp>
+    </p:spTree>
+  </p:cSld>
+  <p:clrMapOvr>
+    <a:masterClrMapping/>
+  </p:clrMapOvr>
+  <p:timing>
+    <p:tnLst>
+      <p:par>
+        <p:cTn id="1" dur="indefinite" restart="never" nodeType="tmRoot"/>
+      </p:par>
+    </p:tnLst>
+  </p:timing>
+</p:sld>
+</file>
+
+<file path=ppt/slides/slide6.xml><?xml version="1.0" encoding="utf-8"?>
+<p:sld xmlns:a="http://schemas.openxmlformats.org/drawingml/2006/main" xmlns:r="http://schemas.openxmlformats.org/officeDocument/2006/relationships" xmlns:p="http://schemas.openxmlformats.org/presentationml/2006/main">
+  <p:cSld>
+    <p:spTree>
+      <p:nvGrpSpPr>
+        <p:cNvPr id="1" name=""/>
+        <p:cNvGrpSpPr/>
+        <p:nvPr/>
+      </p:nvGrpSpPr>
+      <p:grpSpPr>
+        <a:xfrm>
+          <a:off x="0" y="0"/>
+          <a:ext cx="0" cy="0"/>
+          <a:chOff x="0" y="0"/>
+          <a:chExt cx="0" cy="0"/>
+        </a:xfrm>
+      </p:grpSpPr>
+      <p:sp>
+        <p:nvSpPr>
+          <p:cNvPr id="2" name="Titel 1"/>
+          <p:cNvSpPr>
+            <a:spLocks noGrp="1"/>
+          </p:cNvSpPr>
+          <p:nvPr>
+            <p:ph type="title"/>
+          </p:nvPr>
+        </p:nvSpPr>
+        <p:spPr/>
+        <p:txBody>
           <a:bodyPr>
             <a:normAutofit/>
           </a:bodyPr>
@@ -8996,7 +9481,7 @@
             <a:fld id="{6C6AE60A-B69C-4790-82F7-3882EDF23186}" type="slidenum">
               <a:rPr lang="de-DE" smtClean="0"/>
               <a:pPr/>
-              <a:t>5</a:t>
+              <a:t>6</a:t>
             </a:fld>
             <a:endParaRPr lang="de-DE"/>
           </a:p>
@@ -9288,150 +9773,6 @@
 </p:sld>
 </file>
 
-<file path=ppt/slides/slide6.xml><?xml version="1.0" encoding="utf-8"?>
-<p:sld xmlns:a="http://schemas.openxmlformats.org/drawingml/2006/main" xmlns:r="http://schemas.openxmlformats.org/officeDocument/2006/relationships" xmlns:p="http://schemas.openxmlformats.org/presentationml/2006/main">
-  <p:cSld>
-    <p:spTree>
-      <p:nvGrpSpPr>
-        <p:cNvPr id="1" name=""/>
-        <p:cNvGrpSpPr/>
-        <p:nvPr/>
-      </p:nvGrpSpPr>
-      <p:grpSpPr>
-        <a:xfrm>
-          <a:off x="0" y="0"/>
-          <a:ext cx="0" cy="0"/>
-          <a:chOff x="0" y="0"/>
-          <a:chExt cx="0" cy="0"/>
-        </a:xfrm>
-      </p:grpSpPr>
-      <p:sp>
-        <p:nvSpPr>
-          <p:cNvPr id="2" name="Titel 1"/>
-          <p:cNvSpPr>
-            <a:spLocks noGrp="1"/>
-          </p:cNvSpPr>
-          <p:nvPr>
-            <p:ph type="title"/>
-          </p:nvPr>
-        </p:nvSpPr>
-        <p:spPr/>
-        <p:txBody>
-          <a:bodyPr/>
-          <a:lstStyle/>
-          <a:p>
-            <a:r>
-              <a:rPr lang="de-DE" dirty="0" smtClean="0"/>
-              <a:t>Demo</a:t>
-            </a:r>
-            <a:endParaRPr lang="de-DE" dirty="0"/>
-          </a:p>
-        </p:txBody>
-      </p:sp>
-      <p:sp>
-        <p:nvSpPr>
-          <p:cNvPr id="3" name="Inhaltsplatzhalter 2"/>
-          <p:cNvSpPr>
-            <a:spLocks noGrp="1"/>
-          </p:cNvSpPr>
-          <p:nvPr>
-            <p:ph idx="1"/>
-          </p:nvPr>
-        </p:nvSpPr>
-        <p:spPr/>
-        <p:txBody>
-          <a:bodyPr/>
-          <a:lstStyle/>
-          <a:p>
-            <a:endParaRPr lang="de-DE"/>
-          </a:p>
-        </p:txBody>
-      </p:sp>
-      <p:sp>
-        <p:nvSpPr>
-          <p:cNvPr id="4" name="Datumsplatzhalter 3"/>
-          <p:cNvSpPr>
-            <a:spLocks noGrp="1"/>
-          </p:cNvSpPr>
-          <p:nvPr>
-            <p:ph type="dt" sz="half" idx="10"/>
-          </p:nvPr>
-        </p:nvSpPr>
-        <p:spPr/>
-        <p:txBody>
-          <a:bodyPr/>
-          <a:lstStyle/>
-          <a:p>
-            <a:r>
-              <a:rPr lang="de-DE" smtClean="0"/>
-              <a:t>03.12.2013</a:t>
-            </a:r>
-            <a:endParaRPr lang="de-DE"/>
-          </a:p>
-        </p:txBody>
-      </p:sp>
-      <p:sp>
-        <p:nvSpPr>
-          <p:cNvPr id="5" name="Fußzeilenplatzhalter 4"/>
-          <p:cNvSpPr>
-            <a:spLocks noGrp="1"/>
-          </p:cNvSpPr>
-          <p:nvPr>
-            <p:ph type="ftr" sz="quarter" idx="11"/>
-          </p:nvPr>
-        </p:nvSpPr>
-        <p:spPr/>
-        <p:txBody>
-          <a:bodyPr/>
-          <a:lstStyle/>
-          <a:p>
-            <a:r>
-              <a:rPr lang="de-DE" smtClean="0"/>
-              <a:t>TINF12B3 Mario W., Benedikt B.</a:t>
-            </a:r>
-            <a:endParaRPr lang="de-DE" dirty="0"/>
-          </a:p>
-        </p:txBody>
-      </p:sp>
-      <p:sp>
-        <p:nvSpPr>
-          <p:cNvPr id="6" name="Foliennummernplatzhalter 5"/>
-          <p:cNvSpPr>
-            <a:spLocks noGrp="1"/>
-          </p:cNvSpPr>
-          <p:nvPr>
-            <p:ph type="sldNum" sz="quarter" idx="12"/>
-          </p:nvPr>
-        </p:nvSpPr>
-        <p:spPr/>
-        <p:txBody>
-          <a:bodyPr/>
-          <a:lstStyle/>
-          <a:p>
-            <a:fld id="{6C6AE60A-B69C-4790-82F7-3882EDF23186}" type="slidenum">
-              <a:rPr lang="de-DE" smtClean="0"/>
-              <a:pPr/>
-              <a:t>6</a:t>
-            </a:fld>
-            <a:endParaRPr lang="de-DE"/>
-          </a:p>
-        </p:txBody>
-      </p:sp>
-    </p:spTree>
-  </p:cSld>
-  <p:clrMapOvr>
-    <a:masterClrMapping/>
-  </p:clrMapOvr>
-  <p:timing>
-    <p:tnLst>
-      <p:par>
-        <p:cTn id="1" dur="indefinite" restart="never" nodeType="tmRoot"/>
-      </p:par>
-    </p:tnLst>
-  </p:timing>
-</p:sld>
-</file>
-
 <file path=ppt/slides/slide7.xml><?xml version="1.0" encoding="utf-8"?>
 <p:sld xmlns:a="http://schemas.openxmlformats.org/drawingml/2006/main" xmlns:r="http://schemas.openxmlformats.org/officeDocument/2006/relationships" xmlns:p="http://schemas.openxmlformats.org/presentationml/2006/main">
   <p:cSld>
@@ -9466,7 +9807,7 @@
           <a:p>
             <a:r>
               <a:rPr lang="de-DE" dirty="0" smtClean="0"/>
-              <a:t>Methoden</a:t>
+              <a:t>Demo</a:t>
             </a:r>
             <a:endParaRPr lang="de-DE" dirty="0"/>
           </a:p>
@@ -9487,23 +9828,7 @@
           <a:bodyPr/>
           <a:lstStyle/>
           <a:p>
-            <a:r>
-              <a:rPr lang="de-DE" dirty="0" smtClean="0"/>
-              <a:t>MS Projekt</a:t>
-            </a:r>
-          </a:p>
-          <a:p>
-            <a:r>
-              <a:rPr lang="de-DE" dirty="0" smtClean="0"/>
-              <a:t>RUP</a:t>
-            </a:r>
-          </a:p>
-          <a:p>
-            <a:r>
-              <a:rPr lang="de-DE" dirty="0" smtClean="0"/>
-              <a:t>SCRUM</a:t>
-            </a:r>
-            <a:endParaRPr lang="de-DE" dirty="0"/>
+            <a:endParaRPr lang="de-DE"/>
           </a:p>
         </p:txBody>
       </p:sp>
@@ -9626,7 +9951,7 @@
           <a:p>
             <a:r>
               <a:rPr lang="de-DE" dirty="0" smtClean="0"/>
-              <a:t>MS Project</a:t>
+              <a:t>Methoden</a:t>
             </a:r>
             <a:endParaRPr lang="de-DE" dirty="0"/>
           </a:p>
@@ -9648,10 +9973,20 @@
           <a:lstStyle/>
           <a:p>
             <a:r>
-              <a:rPr lang="de-DE" dirty="0" smtClean="0">
-                <a:hlinkClick r:id="rId2" action="ppaction://hlinkfile"/>
-              </a:rPr>
-              <a:t>..\projekt_management.mpp</a:t>
+              <a:rPr lang="de-DE" dirty="0" smtClean="0"/>
+              <a:t>MS Projekt</a:t>
+            </a:r>
+          </a:p>
+          <a:p>
+            <a:r>
+              <a:rPr lang="de-DE" dirty="0" smtClean="0"/>
+              <a:t>RUP</a:t>
+            </a:r>
+          </a:p>
+          <a:p>
+            <a:r>
+              <a:rPr lang="de-DE" dirty="0" smtClean="0"/>
+              <a:t>SCRUM</a:t>
             </a:r>
             <a:endParaRPr lang="de-DE" dirty="0"/>
           </a:p>
@@ -9776,7 +10111,7 @@
           <a:p>
             <a:r>
               <a:rPr lang="de-DE" dirty="0" smtClean="0"/>
-              <a:t>RUP</a:t>
+              <a:t>MS Project</a:t>
             </a:r>
             <a:endParaRPr lang="de-DE" dirty="0"/>
           </a:p>
@@ -9797,7 +10132,13 @@
           <a:bodyPr/>
           <a:lstStyle/>
           <a:p>
-            <a:endParaRPr lang="de-DE"/>
+            <a:r>
+              <a:rPr lang="de-DE" dirty="0" smtClean="0">
+                <a:hlinkClick r:id="rId2" action="ppaction://hlinkfile"/>
+              </a:rPr>
+              <a:t>..\projekt_management.mpp</a:t>
+            </a:r>
+            <a:endParaRPr lang="de-DE" dirty="0"/>
           </a:p>
         </p:txBody>
       </p:sp>
@@ -9871,32 +10212,6 @@
           </a:p>
         </p:txBody>
       </p:sp>
-      <p:pic>
-        <p:nvPicPr>
-          <p:cNvPr id="3074" name="Picture 2" descr="C:\Users\Benedikt\Desktop\RUP.jpg"/>
-          <p:cNvPicPr>
-            <a:picLocks noChangeAspect="1" noChangeArrowheads="1"/>
-          </p:cNvPicPr>
-          <p:nvPr/>
-        </p:nvPicPr>
-        <p:blipFill>
-          <a:blip r:embed="rId3" cstate="print"/>
-          <a:srcRect/>
-          <a:stretch>
-            <a:fillRect/>
-          </a:stretch>
-        </p:blipFill>
-        <p:spPr bwMode="auto">
-          <a:xfrm>
-            <a:off x="1039524" y="1700808"/>
-            <a:ext cx="7064952" cy="4752528"/>
-          </a:xfrm>
-          <a:prstGeom prst="rect">
-            <a:avLst/>
-          </a:prstGeom>
-          <a:noFill/>
-        </p:spPr>
-      </p:pic>
     </p:spTree>
   </p:cSld>
   <p:clrMapOvr>
